--- a/简历/柴雪新的个人简历-0630.pptx
+++ b/简历/柴雪新的个人简历-0630.pptx
@@ -3478,7 +3478,7 @@
         <a:spcBef>
           <a:spcPct val="20000"/>
         </a:spcBef>
-        <a:buFont typeface="Arial" panose="020B0604020202020204" pitchFamily="34" charset="0"/>
+        <a:buFont typeface="Arial" panose="02080604020202020204" pitchFamily="34" charset="0"/>
         <a:buChar char="•"/>
         <a:defRPr sz="3200" kern="1200">
           <a:solidFill>
@@ -3493,7 +3493,7 @@
         <a:spcBef>
           <a:spcPct val="20000"/>
         </a:spcBef>
-        <a:buFont typeface="Arial" panose="020B0604020202020204" pitchFamily="34" charset="0"/>
+        <a:buFont typeface="Arial" panose="02080604020202020204" pitchFamily="34" charset="0"/>
         <a:buChar char="–"/>
         <a:defRPr sz="2800" kern="1200">
           <a:solidFill>
@@ -3508,7 +3508,7 @@
         <a:spcBef>
           <a:spcPct val="20000"/>
         </a:spcBef>
-        <a:buFont typeface="Arial" panose="020B0604020202020204" pitchFamily="34" charset="0"/>
+        <a:buFont typeface="Arial" panose="02080604020202020204" pitchFamily="34" charset="0"/>
         <a:buChar char="•"/>
         <a:defRPr sz="2400" kern="1200">
           <a:solidFill>
@@ -3523,7 +3523,7 @@
         <a:spcBef>
           <a:spcPct val="20000"/>
         </a:spcBef>
-        <a:buFont typeface="Arial" panose="020B0604020202020204" pitchFamily="34" charset="0"/>
+        <a:buFont typeface="Arial" panose="02080604020202020204" pitchFamily="34" charset="0"/>
         <a:buChar char="–"/>
         <a:defRPr sz="2000" kern="1200">
           <a:solidFill>
@@ -3538,7 +3538,7 @@
         <a:spcBef>
           <a:spcPct val="20000"/>
         </a:spcBef>
-        <a:buFont typeface="Arial" panose="020B0604020202020204" pitchFamily="34" charset="0"/>
+        <a:buFont typeface="Arial" panose="02080604020202020204" pitchFamily="34" charset="0"/>
         <a:buChar char="»"/>
         <a:defRPr sz="2000" kern="1200">
           <a:solidFill>
@@ -3553,7 +3553,7 @@
         <a:spcBef>
           <a:spcPct val="20000"/>
         </a:spcBef>
-        <a:buFont typeface="Arial" panose="020B0604020202020204" pitchFamily="34" charset="0"/>
+        <a:buFont typeface="Arial" panose="02080604020202020204" pitchFamily="34" charset="0"/>
         <a:buChar char="•"/>
         <a:defRPr sz="2000" kern="1200">
           <a:solidFill>
@@ -3568,7 +3568,7 @@
         <a:spcBef>
           <a:spcPct val="20000"/>
         </a:spcBef>
-        <a:buFont typeface="Arial" panose="020B0604020202020204" pitchFamily="34" charset="0"/>
+        <a:buFont typeface="Arial" panose="02080604020202020204" pitchFamily="34" charset="0"/>
         <a:buChar char="•"/>
         <a:defRPr sz="2000" kern="1200">
           <a:solidFill>
@@ -3583,7 +3583,7 @@
         <a:spcBef>
           <a:spcPct val="20000"/>
         </a:spcBef>
-        <a:buFont typeface="Arial" panose="020B0604020202020204" pitchFamily="34" charset="0"/>
+        <a:buFont typeface="Arial" panose="02080604020202020204" pitchFamily="34" charset="0"/>
         <a:buChar char="•"/>
         <a:defRPr sz="2000" kern="1200">
           <a:solidFill>
@@ -3598,7 +3598,7 @@
         <a:spcBef>
           <a:spcPct val="20000"/>
         </a:spcBef>
-        <a:buFont typeface="Arial" panose="020B0604020202020204" pitchFamily="34" charset="0"/>
+        <a:buFont typeface="Arial" panose="02080604020202020204" pitchFamily="34" charset="0"/>
         <a:buChar char="•"/>
         <a:defRPr sz="2000" kern="1200">
           <a:solidFill>
@@ -4449,7 +4449,7 @@
         </p:nvGrpSpPr>
         <p:grpSpPr>
           <a:xfrm>
-            <a:off x="2" y="0"/>
+            <a:off x="-7618" y="-635"/>
             <a:ext cx="9001125" cy="1836291"/>
             <a:chOff x="0" y="0"/>
             <a:chExt cx="9001125" cy="1836291"/>
@@ -5083,14 +5083,37 @@
                 <a:latin typeface="方正姚体" panose="02010601030101010101" pitchFamily="2" charset="-122"/>
                 <a:ea typeface="方正姚体" panose="02010601030101010101" pitchFamily="2" charset="-122"/>
               </a:rPr>
-              <a:t>离职状态、随时待命上岗</a:t>
-            </a:r>
-            <a:endParaRPr lang="zh-CN" altLang="en-US" sz="1400" dirty="0">
+              <a:t>目前在职</a:t>
+            </a:r>
+            <a:r>
+              <a:rPr sz="1400">
+                <a:solidFill>
+                  <a:schemeClr val="tx1"/>
+                </a:solidFill>
+                <a:latin typeface="方正姚体" panose="02010601030101010101" pitchFamily="2" charset="-122"/>
+                <a:ea typeface="方正姚体" panose="02010601030101010101" pitchFamily="2" charset="-122"/>
+                <a:sym typeface="+mn-ea"/>
+              </a:rPr>
+              <a:t>、</a:t>
+            </a:r>
+            <a:r>
+              <a:rPr lang="zh-CN" sz="1400">
+                <a:solidFill>
+                  <a:schemeClr val="tx1"/>
+                </a:solidFill>
+                <a:latin typeface="方正姚体" panose="02010601030101010101" pitchFamily="2" charset="-122"/>
+                <a:ea typeface="方正姚体" panose="02010601030101010101" pitchFamily="2" charset="-122"/>
+                <a:sym typeface="+mn-ea"/>
+              </a:rPr>
+              <a:t>一周左右到岗</a:t>
+            </a:r>
+            <a:endParaRPr lang="zh-CN" sz="1400" dirty="0" smtClean="0">
               <a:solidFill>
                 <a:schemeClr val="tx1"/>
               </a:solidFill>
               <a:latin typeface="方正姚体" panose="02010601030101010101" pitchFamily="2" charset="-122"/>
               <a:ea typeface="方正姚体" panose="02010601030101010101" pitchFamily="2" charset="-122"/>
+              <a:sym typeface="+mn-ea"/>
             </a:endParaRPr>
           </a:p>
         </p:txBody>
@@ -5403,7 +5426,7 @@
                 <a:latin typeface="方正姚体" panose="02010601030101010101" pitchFamily="2" charset="-122"/>
                 <a:ea typeface="方正姚体" panose="02010601030101010101" pitchFamily="2" charset="-122"/>
               </a:rPr>
-              <a:t>，安装、配置、维护</a:t>
+              <a:t>，安装、配置</a:t>
             </a:r>
             <a:r>
               <a:rPr lang="zh-CN" altLang="en-US" sz="1400" dirty="0" smtClean="0">
@@ -5582,50 +5605,6 @@
               <a:t>、</a:t>
             </a:r>
             <a:r>
-              <a:rPr sz="1400" dirty="0">
-                <a:solidFill>
-                  <a:schemeClr val="tx1"/>
-                </a:solidFill>
-                <a:latin typeface="方正姚体" panose="02010601030101010101" pitchFamily="2" charset="-122"/>
-                <a:ea typeface="方正姚体" panose="02010601030101010101" pitchFamily="2" charset="-122"/>
-              </a:rPr>
-              <a:t>熟悉Zabbix监控软件的部署，实现服务器系统性能、应用服务监控；</a:t>
-            </a:r>
-            <a:endParaRPr sz="1400" dirty="0">
-              <a:solidFill>
-                <a:schemeClr val="tx1"/>
-              </a:solidFill>
-              <a:latin typeface="方正姚体" panose="02010601030101010101" pitchFamily="2" charset="-122"/>
-              <a:ea typeface="方正姚体" panose="02010601030101010101" pitchFamily="2" charset="-122"/>
-            </a:endParaRPr>
-          </a:p>
-          <a:p>
-            <a:pPr>
-              <a:lnSpc>
-                <a:spcPct val="150000"/>
-              </a:lnSpc>
-            </a:pPr>
-            <a:r>
-              <a:rPr lang="en-US" altLang="zh-CN" sz="1400" dirty="0">
-                <a:solidFill>
-                  <a:schemeClr val="tx1"/>
-                </a:solidFill>
-                <a:latin typeface="方正姚体" panose="02010601030101010101" pitchFamily="2" charset="-122"/>
-                <a:ea typeface="方正姚体" panose="02010601030101010101" pitchFamily="2" charset="-122"/>
-              </a:rPr>
-              <a:t>6</a:t>
-            </a:r>
-            <a:r>
-              <a:rPr lang="zh-CN" altLang="en-US" sz="1400" dirty="0" smtClean="0">
-                <a:solidFill>
-                  <a:schemeClr val="tx1"/>
-                </a:solidFill>
-                <a:latin typeface="方正姚体" panose="02010601030101010101" pitchFamily="2" charset="-122"/>
-                <a:ea typeface="方正姚体" panose="02010601030101010101" pitchFamily="2" charset="-122"/>
-              </a:rPr>
-              <a:t>、</a:t>
-            </a:r>
-            <a:r>
               <a:rPr sz="1400">
                 <a:solidFill>
                   <a:schemeClr val="tx1"/>
@@ -5657,7 +5636,7 @@
                 <a:latin typeface="方正姚体" panose="02010601030101010101" pitchFamily="2" charset="-122"/>
                 <a:ea typeface="方正姚体" panose="02010601030101010101" pitchFamily="2" charset="-122"/>
               </a:rPr>
-              <a:t>7</a:t>
+              <a:t>6</a:t>
             </a:r>
             <a:r>
               <a:rPr lang="zh-CN" altLang="en-US" sz="1400" dirty="0" smtClean="0">
@@ -5667,7 +5646,17 @@
                 <a:latin typeface="方正姚体" panose="02010601030101010101" pitchFamily="2" charset="-122"/>
                 <a:ea typeface="方正姚体" panose="02010601030101010101" pitchFamily="2" charset="-122"/>
               </a:rPr>
-              <a:t>、了解</a:t>
+              <a:t>、</a:t>
+            </a:r>
+            <a:r>
+              <a:rPr lang="zh-CN" altLang="en-US" sz="1400" dirty="0">
+                <a:solidFill>
+                  <a:schemeClr val="tx1"/>
+                </a:solidFill>
+                <a:latin typeface="方正姚体" panose="02010601030101010101" pitchFamily="2" charset="-122"/>
+                <a:ea typeface="方正姚体" panose="02010601030101010101" pitchFamily="2" charset="-122"/>
+              </a:rPr>
+              <a:t>熟练shell、了解</a:t>
             </a:r>
             <a:r>
               <a:rPr lang="en-US" altLang="zh-CN" sz="1400" dirty="0">
@@ -5677,7 +5666,7 @@
                 <a:latin typeface="方正姚体" panose="02010601030101010101" pitchFamily="2" charset="-122"/>
                 <a:ea typeface="方正姚体" panose="02010601030101010101" pitchFamily="2" charset="-122"/>
               </a:rPr>
-              <a:t>Docker</a:t>
+              <a:t>Go</a:t>
             </a:r>
             <a:r>
               <a:rPr lang="zh-CN" altLang="en-US" sz="1400" dirty="0">
@@ -5687,51 +5676,7 @@
                 <a:latin typeface="方正姚体" panose="02010601030101010101" pitchFamily="2" charset="-122"/>
                 <a:ea typeface="方正姚体" panose="02010601030101010101" pitchFamily="2" charset="-122"/>
               </a:rPr>
-              <a:t>的基本操作；</a:t>
-            </a:r>
-            <a:endParaRPr lang="zh-CN" altLang="en-US" sz="1400" dirty="0">
-              <a:solidFill>
-                <a:schemeClr val="tx1"/>
-              </a:solidFill>
-              <a:latin typeface="方正姚体" panose="02010601030101010101" pitchFamily="2" charset="-122"/>
-              <a:ea typeface="方正姚体" panose="02010601030101010101" pitchFamily="2" charset="-122"/>
-            </a:endParaRPr>
-          </a:p>
-          <a:p>
-            <a:pPr>
-              <a:lnSpc>
-                <a:spcPct val="150000"/>
-              </a:lnSpc>
-            </a:pPr>
-            <a:r>
-              <a:rPr lang="en-US" altLang="zh-CN" sz="1400" dirty="0" smtClean="0">
-                <a:solidFill>
-                  <a:schemeClr val="tx1"/>
-                </a:solidFill>
-                <a:latin typeface="方正姚体" panose="02010601030101010101" pitchFamily="2" charset="-122"/>
-                <a:ea typeface="方正姚体" panose="02010601030101010101" pitchFamily="2" charset="-122"/>
-              </a:rPr>
-              <a:t>8</a:t>
-            </a:r>
-            <a:r>
-              <a:rPr lang="zh-CN" altLang="en-US" sz="1400" dirty="0" smtClean="0">
-                <a:solidFill>
-                  <a:schemeClr val="tx1"/>
-                </a:solidFill>
-                <a:latin typeface="方正姚体" panose="02010601030101010101" pitchFamily="2" charset="-122"/>
-                <a:ea typeface="方正姚体" panose="02010601030101010101" pitchFamily="2" charset="-122"/>
-              </a:rPr>
-              <a:t>、</a:t>
-            </a:r>
-            <a:r>
-              <a:rPr lang="zh-CN" altLang="en-US" sz="1400" dirty="0">
-                <a:solidFill>
-                  <a:schemeClr val="tx1"/>
-                </a:solidFill>
-                <a:latin typeface="方正姚体" panose="02010601030101010101" pitchFamily="2" charset="-122"/>
-                <a:ea typeface="方正姚体" panose="02010601030101010101" pitchFamily="2" charset="-122"/>
-              </a:rPr>
-              <a:t>熟练shell、了解HTML/Css编程；服务启动、数据备份等一键脚本的能力；</a:t>
+              <a:t>编程；服务启动、数据备份等一键脚本的能力；</a:t>
             </a:r>
             <a:endParaRPr lang="zh-CN" altLang="en-US" sz="1400" dirty="0">
               <a:solidFill>
@@ -5751,7 +5696,7 @@
         </p:nvSpPr>
         <p:spPr>
           <a:xfrm>
-            <a:off x="144017" y="8883061"/>
+            <a:off x="179577" y="8927511"/>
             <a:ext cx="1476227" cy="514070"/>
           </a:xfrm>
           <a:prstGeom prst="rect">
@@ -5791,9 +5736,19 @@
                 <a:latin typeface="方正姚体" panose="02010601030101010101" pitchFamily="2" charset="-122"/>
                 <a:ea typeface="方正姚体" panose="02010601030101010101" pitchFamily="2" charset="-122"/>
               </a:rPr>
-              <a:t>2016.5-2018.5</a:t>
-            </a:r>
-            <a:endParaRPr lang="zh-CN" altLang="en-US" sz="1400" dirty="0">
+              <a:t>2018.7</a:t>
+            </a:r>
+            <a:r>
+              <a:rPr lang="zh-CN" altLang="en-US" sz="1400" dirty="0" smtClean="0">
+                <a:solidFill>
+                  <a:schemeClr val="tx1"/>
+                </a:solidFill>
+                <a:latin typeface="方正姚体" panose="02010601030101010101" pitchFamily="2" charset="-122"/>
+                <a:ea typeface="方正姚体" panose="02010601030101010101" pitchFamily="2" charset="-122"/>
+              </a:rPr>
+              <a:t>至今</a:t>
+            </a:r>
+            <a:endParaRPr lang="zh-CN" altLang="en-US" sz="1400" dirty="0" smtClean="0">
               <a:solidFill>
                 <a:schemeClr val="tx1"/>
               </a:solidFill>
@@ -5811,7 +5766,7 @@
         </p:nvSpPr>
         <p:spPr>
           <a:xfrm>
-            <a:off x="1944280" y="8533035"/>
+            <a:off x="1944280" y="8604790"/>
             <a:ext cx="6675814" cy="3024334"/>
           </a:xfrm>
           <a:prstGeom prst="rect">
@@ -5855,61 +5810,17 @@
                 <a:latin typeface="方正姚体" panose="02010601030101010101" pitchFamily="2" charset="-122"/>
                 <a:ea typeface="方正姚体" panose="02010601030101010101" pitchFamily="2" charset="-122"/>
               </a:rPr>
-              <a:t>工作单位：顺丰速运（沈阳）有限公司        工作岗位：</a:t>
-            </a:r>
-            <a:r>
-              <a:rPr lang="en-US" altLang="zh-CN" sz="1400" b="1" dirty="0">
-                <a:solidFill>
-                  <a:schemeClr val="tx1"/>
-                </a:solidFill>
-                <a:latin typeface="方正姚体" panose="02010601030101010101" pitchFamily="2" charset="-122"/>
-                <a:ea typeface="方正姚体" panose="02010601030101010101" pitchFamily="2" charset="-122"/>
-              </a:rPr>
-              <a:t>IT</a:t>
-            </a:r>
-            <a:r>
-              <a:rPr lang="zh-CN" altLang="en-US" sz="1400" b="1" dirty="0">
-                <a:solidFill>
-                  <a:schemeClr val="tx1"/>
-                </a:solidFill>
-                <a:latin typeface="方正姚体" panose="02010601030101010101" pitchFamily="2" charset="-122"/>
-                <a:ea typeface="方正姚体" panose="02010601030101010101" pitchFamily="2" charset="-122"/>
-              </a:rPr>
-              <a:t>科技运维初级</a:t>
-            </a:r>
-            <a:r>
-              <a:rPr lang="zh-CN" altLang="en-US" sz="1400" b="1" dirty="0" smtClean="0">
-                <a:solidFill>
-                  <a:schemeClr val="tx1"/>
-                </a:solidFill>
-                <a:latin typeface="方正姚体" panose="02010601030101010101" pitchFamily="2" charset="-122"/>
-                <a:ea typeface="方正姚体" panose="02010601030101010101" pitchFamily="2" charset="-122"/>
-              </a:rPr>
-              <a:t>专员</a:t>
-            </a:r>
-            <a:endParaRPr lang="en-US" altLang="zh-CN" sz="1400" b="1" dirty="0" smtClean="0">
-              <a:solidFill>
-                <a:schemeClr val="tx1"/>
-              </a:solidFill>
-              <a:latin typeface="方正姚体" panose="02010601030101010101" pitchFamily="2" charset="-122"/>
-              <a:ea typeface="方正姚体" panose="02010601030101010101" pitchFamily="2" charset="-122"/>
-            </a:endParaRPr>
-          </a:p>
-          <a:p>
-            <a:pPr latinLnBrk="1">
-              <a:lnSpc>
-                <a:spcPct val="150000"/>
-              </a:lnSpc>
-            </a:pPr>
-            <a:r>
-              <a:rPr lang="zh-CN" altLang="en-US" sz="1400" b="1" dirty="0" smtClean="0">
-                <a:solidFill>
-                  <a:schemeClr val="tx1"/>
-                </a:solidFill>
-                <a:latin typeface="方正姚体" panose="02010601030101010101" pitchFamily="2" charset="-122"/>
-                <a:ea typeface="方正姚体" panose="02010601030101010101" pitchFamily="2" charset="-122"/>
-              </a:rPr>
-              <a:t>工作年限：两年</a:t>
+              <a:t>工作单位：陕西博龙文化有限公司       工作岗位：</a:t>
+            </a:r>
+            <a:r>
+              <a:rPr lang="zh-CN" sz="1400" b="1" dirty="0">
+                <a:solidFill>
+                  <a:schemeClr val="tx1"/>
+                </a:solidFill>
+                <a:latin typeface="方正姚体" panose="02010601030101010101" pitchFamily="2" charset="-122"/>
+                <a:ea typeface="方正姚体" panose="02010601030101010101" pitchFamily="2" charset="-122"/>
+              </a:rPr>
+              <a:t>系统工程师</a:t>
             </a:r>
             <a:endParaRPr lang="en-US" altLang="zh-CN" sz="1400" b="1" dirty="0" smtClean="0">
               <a:solidFill>
@@ -5986,7 +5897,67 @@
                 <a:latin typeface="方正姚体" panose="02010601030101010101" pitchFamily="2" charset="-122"/>
                 <a:ea typeface="方正姚体" panose="02010601030101010101" pitchFamily="2" charset="-122"/>
               </a:rPr>
-              <a:t>、负责</a:t>
+              <a:t>、</a:t>
+            </a:r>
+            <a:r>
+              <a:rPr lang="en-US" altLang="zh-CN" sz="1400" dirty="0" smtClean="0">
+                <a:solidFill>
+                  <a:schemeClr val="tx1"/>
+                </a:solidFill>
+                <a:latin typeface="方正姚体" panose="02010601030101010101" pitchFamily="2" charset="-122"/>
+                <a:ea typeface="方正姚体" panose="02010601030101010101" pitchFamily="2" charset="-122"/>
+              </a:rPr>
+              <a:t>CRM+</a:t>
+            </a:r>
+            <a:r>
+              <a:rPr lang="zh-CN" altLang="en-US" sz="1400" dirty="0" smtClean="0">
+                <a:solidFill>
+                  <a:schemeClr val="tx1"/>
+                </a:solidFill>
+                <a:latin typeface="方正姚体" panose="02010601030101010101" pitchFamily="2" charset="-122"/>
+                <a:ea typeface="方正姚体" panose="02010601030101010101" pitchFamily="2" charset="-122"/>
+              </a:rPr>
+              <a:t>呼叫中心系统功能模块设计</a:t>
+            </a:r>
+            <a:r>
+              <a:rPr lang="en-US" altLang="zh-CN" sz="1400" dirty="0" smtClean="0">
+                <a:solidFill>
+                  <a:schemeClr val="tx1"/>
+                </a:solidFill>
+                <a:latin typeface="方正姚体" panose="02010601030101010101" pitchFamily="2" charset="-122"/>
+                <a:ea typeface="方正姚体" panose="02010601030101010101" pitchFamily="2" charset="-122"/>
+              </a:rPr>
+              <a:t>,</a:t>
+            </a:r>
+            <a:r>
+              <a:rPr lang="zh-CN" altLang="en-US" sz="1400" dirty="0" smtClean="0">
+                <a:solidFill>
+                  <a:schemeClr val="tx1"/>
+                </a:solidFill>
+                <a:latin typeface="方正姚体" panose="02010601030101010101" pitchFamily="2" charset="-122"/>
+                <a:ea typeface="方正姚体" panose="02010601030101010101" pitchFamily="2" charset="-122"/>
+              </a:rPr>
+              <a:t>文案编写</a:t>
+            </a:r>
+            <a:r>
+              <a:rPr lang="en-US" altLang="zh-CN" sz="1400" dirty="0" smtClean="0">
+                <a:solidFill>
+                  <a:schemeClr val="tx1"/>
+                </a:solidFill>
+                <a:latin typeface="方正姚体" panose="02010601030101010101" pitchFamily="2" charset="-122"/>
+                <a:ea typeface="方正姚体" panose="02010601030101010101" pitchFamily="2" charset="-122"/>
+              </a:rPr>
+              <a:t>,</a:t>
+            </a:r>
+            <a:r>
+              <a:rPr lang="zh-CN" altLang="en-US" sz="1400" dirty="0" smtClean="0">
+                <a:solidFill>
+                  <a:schemeClr val="tx1"/>
+                </a:solidFill>
+                <a:latin typeface="方正姚体" panose="02010601030101010101" pitchFamily="2" charset="-122"/>
+                <a:ea typeface="方正姚体" panose="02010601030101010101" pitchFamily="2" charset="-122"/>
+              </a:rPr>
+              <a:t>功能模块优化建议</a:t>
             </a:r>
             <a:r>
               <a:rPr lang="zh-CN" altLang="en-US" sz="1400" dirty="0">
@@ -5996,27 +5967,7 @@
                 <a:latin typeface="方正姚体" panose="02010601030101010101" pitchFamily="2" charset="-122"/>
                 <a:ea typeface="方正姚体" panose="02010601030101010101" pitchFamily="2" charset="-122"/>
               </a:rPr>
-              <a:t>办公</a:t>
-            </a:r>
-            <a:r>
-              <a:rPr lang="zh-CN" altLang="en-US" sz="1400" dirty="0" smtClean="0">
-                <a:solidFill>
-                  <a:schemeClr val="tx1"/>
-                </a:solidFill>
-                <a:latin typeface="方正姚体" panose="02010601030101010101" pitchFamily="2" charset="-122"/>
-                <a:ea typeface="方正姚体" panose="02010601030101010101" pitchFamily="2" charset="-122"/>
-              </a:rPr>
-              <a:t>系统与软件</a:t>
-            </a:r>
-            <a:r>
-              <a:rPr lang="zh-CN" altLang="en-US" sz="1400" dirty="0">
-                <a:solidFill>
-                  <a:schemeClr val="tx1"/>
-                </a:solidFill>
-                <a:latin typeface="方正姚体" panose="02010601030101010101" pitchFamily="2" charset="-122"/>
-                <a:ea typeface="方正姚体" panose="02010601030101010101" pitchFamily="2" charset="-122"/>
-              </a:rPr>
-              <a:t>系统的配置、安装管理与维护工作；</a:t>
+              <a:t>；</a:t>
             </a:r>
             <a:endParaRPr lang="zh-CN" altLang="en-US" sz="1400" dirty="0">
               <a:solidFill>
@@ -6050,7 +6001,91 @@
                 <a:latin typeface="方正姚体" panose="02010601030101010101" pitchFamily="2" charset="-122"/>
                 <a:ea typeface="方正姚体" panose="02010601030101010101" pitchFamily="2" charset="-122"/>
               </a:rPr>
-              <a:t>、负责</a:t>
+              <a:t>、</a:t>
+            </a:r>
+            <a:r>
+              <a:rPr lang="zh-CN" sz="1400" dirty="0" smtClean="0">
+                <a:solidFill>
+                  <a:schemeClr val="tx1"/>
+                </a:solidFill>
+                <a:latin typeface="方正姚体" panose="02010601030101010101" pitchFamily="2" charset="-122"/>
+                <a:ea typeface="方正姚体" panose="02010601030101010101" pitchFamily="2" charset="-122"/>
+              </a:rPr>
+              <a:t>软件中间层更新</a:t>
+            </a:r>
+            <a:r>
+              <a:rPr lang="en-US" altLang="zh-CN" sz="1400" dirty="0" smtClean="0">
+                <a:solidFill>
+                  <a:schemeClr val="tx1"/>
+                </a:solidFill>
+                <a:latin typeface="方正姚体" panose="02010601030101010101" pitchFamily="2" charset="-122"/>
+                <a:ea typeface="方正姚体" panose="02010601030101010101" pitchFamily="2" charset="-122"/>
+              </a:rPr>
+              <a:t>,</a:t>
+            </a:r>
+            <a:r>
+              <a:rPr lang="zh-CN" altLang="en-US" sz="1400" dirty="0" smtClean="0">
+                <a:solidFill>
+                  <a:schemeClr val="tx1"/>
+                </a:solidFill>
+                <a:latin typeface="方正姚体" panose="02010601030101010101" pitchFamily="2" charset="-122"/>
+                <a:ea typeface="方正姚体" panose="02010601030101010101" pitchFamily="2" charset="-122"/>
+              </a:rPr>
+              <a:t>软件服务器维护</a:t>
+            </a:r>
+            <a:r>
+              <a:rPr lang="en-US" altLang="zh-CN" sz="1400" dirty="0" smtClean="0">
+                <a:solidFill>
+                  <a:schemeClr val="tx1"/>
+                </a:solidFill>
+                <a:latin typeface="方正姚体" panose="02010601030101010101" pitchFamily="2" charset="-122"/>
+                <a:ea typeface="方正姚体" panose="02010601030101010101" pitchFamily="2" charset="-122"/>
+              </a:rPr>
+              <a:t>;</a:t>
+            </a:r>
+            <a:endParaRPr lang="zh-CN" sz="1400" dirty="0" smtClean="0">
+              <a:solidFill>
+                <a:schemeClr val="tx1"/>
+              </a:solidFill>
+              <a:latin typeface="方正姚体" panose="02010601030101010101" pitchFamily="2" charset="-122"/>
+              <a:ea typeface="方正姚体" panose="02010601030101010101" pitchFamily="2" charset="-122"/>
+            </a:endParaRPr>
+          </a:p>
+          <a:p>
+            <a:pPr latinLnBrk="1">
+              <a:lnSpc>
+                <a:spcPct val="150000"/>
+              </a:lnSpc>
+            </a:pPr>
+            <a:r>
+              <a:rPr lang="en-US" altLang="zh-CN" sz="1400" dirty="0" smtClean="0">
+                <a:solidFill>
+                  <a:schemeClr val="tx1"/>
+                </a:solidFill>
+                <a:latin typeface="方正姚体" panose="02010601030101010101" pitchFamily="2" charset="-122"/>
+                <a:ea typeface="方正姚体" panose="02010601030101010101" pitchFamily="2" charset="-122"/>
+              </a:rPr>
+              <a:t>3</a:t>
+            </a:r>
+            <a:r>
+              <a:rPr lang="zh-CN" altLang="en-US" sz="1400" dirty="0" smtClean="0">
+                <a:solidFill>
+                  <a:schemeClr val="tx1"/>
+                </a:solidFill>
+                <a:latin typeface="方正姚体" panose="02010601030101010101" pitchFamily="2" charset="-122"/>
+                <a:ea typeface="方正姚体" panose="02010601030101010101" pitchFamily="2" charset="-122"/>
+              </a:rPr>
+              <a:t>、</a:t>
+            </a:r>
+            <a:r>
+              <a:rPr lang="en-US" altLang="zh-CN" sz="1400" dirty="0" smtClean="0">
+                <a:solidFill>
+                  <a:schemeClr val="tx1"/>
+                </a:solidFill>
+                <a:latin typeface="方正姚体" panose="02010601030101010101" pitchFamily="2" charset="-122"/>
+                <a:ea typeface="方正姚体" panose="02010601030101010101" pitchFamily="2" charset="-122"/>
+              </a:rPr>
+              <a:t>Web</a:t>
             </a:r>
             <a:r>
               <a:rPr lang="zh-CN" altLang="en-US" sz="1400" dirty="0">
@@ -6060,7 +6095,27 @@
                 <a:latin typeface="方正姚体" panose="02010601030101010101" pitchFamily="2" charset="-122"/>
                 <a:ea typeface="方正姚体" panose="02010601030101010101" pitchFamily="2" charset="-122"/>
               </a:rPr>
-              <a:t>办公网络环境搭建、防火墙、路由交换等设备配置以及网络优化与升级；</a:t>
+              <a:t>网站更新、</a:t>
+            </a:r>
+            <a:r>
+              <a:rPr lang="zh-CN" sz="1400" dirty="0">
+                <a:solidFill>
+                  <a:schemeClr val="tx1"/>
+                </a:solidFill>
+                <a:latin typeface="方正姚体" panose="02010601030101010101" pitchFamily="2" charset="-122"/>
+                <a:ea typeface="方正姚体" panose="02010601030101010101" pitchFamily="2" charset="-122"/>
+              </a:rPr>
+              <a:t>服务器维护</a:t>
+            </a:r>
+            <a:r>
+              <a:rPr lang="zh-CN" altLang="en-US" sz="1400" dirty="0">
+                <a:solidFill>
+                  <a:schemeClr val="tx1"/>
+                </a:solidFill>
+                <a:latin typeface="方正姚体" panose="02010601030101010101" pitchFamily="2" charset="-122"/>
+                <a:ea typeface="方正姚体" panose="02010601030101010101" pitchFamily="2" charset="-122"/>
+              </a:rPr>
+              <a:t>、网站故障维修；</a:t>
             </a:r>
             <a:endParaRPr lang="zh-CN" altLang="en-US" sz="1400" dirty="0">
               <a:solidFill>
@@ -6084,7 +6139,7 @@
                 <a:latin typeface="方正姚体" panose="02010601030101010101" pitchFamily="2" charset="-122"/>
                 <a:ea typeface="方正姚体" panose="02010601030101010101" pitchFamily="2" charset="-122"/>
               </a:rPr>
-              <a:t>3</a:t>
+              <a:t>4</a:t>
             </a:r>
             <a:r>
               <a:rPr lang="zh-CN" altLang="en-US" sz="1400" dirty="0" smtClean="0">
@@ -6094,49 +6149,39 @@
                 <a:latin typeface="方正姚体" panose="02010601030101010101" pitchFamily="2" charset="-122"/>
                 <a:ea typeface="方正姚体" panose="02010601030101010101" pitchFamily="2" charset="-122"/>
               </a:rPr>
-              <a:t>、半自动化</a:t>
-            </a:r>
-            <a:r>
-              <a:rPr lang="zh-CN" altLang="en-US" sz="1400" dirty="0">
-                <a:solidFill>
-                  <a:schemeClr val="tx1"/>
-                </a:solidFill>
-                <a:latin typeface="方正姚体" panose="02010601030101010101" pitchFamily="2" charset="-122"/>
-                <a:ea typeface="方正姚体" panose="02010601030101010101" pitchFamily="2" charset="-122"/>
-              </a:rPr>
-              <a:t>分拣、</a:t>
-            </a:r>
-            <a:r>
-              <a:rPr lang="zh-CN" altLang="en-US" sz="1400">
-                <a:solidFill>
-                  <a:schemeClr val="tx1"/>
-                </a:solidFill>
-                <a:latin typeface="方正姚体" panose="02010601030101010101" pitchFamily="2" charset="-122"/>
-                <a:ea typeface="方正姚体" panose="02010601030101010101" pitchFamily="2" charset="-122"/>
-              </a:rPr>
-              <a:t>大</a:t>
-            </a:r>
-            <a:r>
-              <a:rPr lang="zh-CN" altLang="en-US" sz="1400" smtClean="0">
-                <a:solidFill>
-                  <a:schemeClr val="tx1"/>
-                </a:solidFill>
-                <a:latin typeface="方正姚体" panose="02010601030101010101" pitchFamily="2" charset="-122"/>
-                <a:ea typeface="方正姚体" panose="02010601030101010101" pitchFamily="2" charset="-122"/>
-              </a:rPr>
-              <a:t>客户系统</a:t>
-            </a:r>
-            <a:r>
-              <a:rPr lang="zh-CN" altLang="en-US" sz="1400" dirty="0">
-                <a:solidFill>
-                  <a:schemeClr val="tx1"/>
-                </a:solidFill>
-                <a:latin typeface="方正姚体" panose="02010601030101010101" pitchFamily="2" charset="-122"/>
-                <a:ea typeface="方正姚体" panose="02010601030101010101" pitchFamily="2" charset="-122"/>
-              </a:rPr>
-              <a:t>搭建、系统与硬件故障维修；</a:t>
-            </a:r>
-            <a:endParaRPr lang="zh-CN" altLang="en-US" sz="1400" dirty="0">
+              <a:t>、呼叫中心系统故障维修</a:t>
+            </a:r>
+            <a:r>
+              <a:rPr lang="en-US" altLang="zh-CN" sz="1400" dirty="0" smtClean="0">
+                <a:solidFill>
+                  <a:schemeClr val="tx1"/>
+                </a:solidFill>
+                <a:latin typeface="方正姚体" panose="02010601030101010101" pitchFamily="2" charset="-122"/>
+                <a:ea typeface="方正姚体" panose="02010601030101010101" pitchFamily="2" charset="-122"/>
+              </a:rPr>
+              <a:t>,</a:t>
+            </a:r>
+            <a:r>
+              <a:rPr lang="zh-CN" altLang="en-US" sz="1400" dirty="0" smtClean="0">
+                <a:solidFill>
+                  <a:schemeClr val="tx1"/>
+                </a:solidFill>
+                <a:latin typeface="方正姚体" panose="02010601030101010101" pitchFamily="2" charset="-122"/>
+                <a:ea typeface="方正姚体" panose="02010601030101010101" pitchFamily="2" charset="-122"/>
+              </a:rPr>
+              <a:t>新员工电脑以及呼叫系统设备安装</a:t>
+            </a:r>
+            <a:r>
+              <a:rPr lang="en-US" altLang="zh-CN" sz="1400" dirty="0" smtClean="0">
+                <a:solidFill>
+                  <a:schemeClr val="tx1"/>
+                </a:solidFill>
+                <a:latin typeface="方正姚体" panose="02010601030101010101" pitchFamily="2" charset="-122"/>
+                <a:ea typeface="方正姚体" panose="02010601030101010101" pitchFamily="2" charset="-122"/>
+              </a:rPr>
+              <a:t>;</a:t>
+            </a:r>
+            <a:endParaRPr lang="en-US" altLang="zh-CN" sz="1400" dirty="0" smtClean="0">
               <a:solidFill>
                 <a:schemeClr val="tx1"/>
               </a:solidFill>
@@ -6158,7 +6203,7 @@
                 <a:latin typeface="方正姚体" panose="02010601030101010101" pitchFamily="2" charset="-122"/>
                 <a:ea typeface="方正姚体" panose="02010601030101010101" pitchFamily="2" charset="-122"/>
               </a:rPr>
-              <a:t>4</a:t>
+              <a:t>5</a:t>
             </a:r>
             <a:r>
               <a:rPr lang="zh-CN" altLang="en-US" sz="1400" dirty="0" smtClean="0">
@@ -6167,8 +6212,9 @@
                 </a:solidFill>
                 <a:latin typeface="方正姚体" panose="02010601030101010101" pitchFamily="2" charset="-122"/>
                 <a:ea typeface="方正姚体" panose="02010601030101010101" pitchFamily="2" charset="-122"/>
-              </a:rPr>
-              <a:t>、</a:t>
+                <a:sym typeface="+mn-ea"/>
+              </a:rPr>
+              <a:t>、办公系统安装以及故障维修</a:t>
             </a:r>
             <a:r>
               <a:rPr lang="en-US" altLang="zh-CN" sz="1400" dirty="0" smtClean="0">
@@ -6177,109 +6223,17 @@
                 </a:solidFill>
                 <a:latin typeface="方正姚体" panose="02010601030101010101" pitchFamily="2" charset="-122"/>
                 <a:ea typeface="方正姚体" panose="02010601030101010101" pitchFamily="2" charset="-122"/>
-              </a:rPr>
-              <a:t>Web</a:t>
-            </a:r>
-            <a:r>
-              <a:rPr lang="zh-CN" altLang="en-US" sz="1400" dirty="0">
-                <a:solidFill>
-                  <a:schemeClr val="tx1"/>
-                </a:solidFill>
-                <a:latin typeface="方正姚体" panose="02010601030101010101" pitchFamily="2" charset="-122"/>
-                <a:ea typeface="方正姚体" panose="02010601030101010101" pitchFamily="2" charset="-122"/>
-              </a:rPr>
-              <a:t>网站更新、</a:t>
-            </a:r>
-            <a:r>
-              <a:rPr lang="en-US" altLang="zh-CN" sz="1400" dirty="0">
-                <a:solidFill>
-                  <a:schemeClr val="tx1"/>
-                </a:solidFill>
-                <a:latin typeface="方正姚体" panose="02010601030101010101" pitchFamily="2" charset="-122"/>
-                <a:ea typeface="方正姚体" panose="02010601030101010101" pitchFamily="2" charset="-122"/>
-              </a:rPr>
-              <a:t>App</a:t>
-            </a:r>
-            <a:r>
-              <a:rPr lang="zh-CN" altLang="en-US" sz="1400" dirty="0">
-                <a:solidFill>
-                  <a:schemeClr val="tx1"/>
-                </a:solidFill>
-                <a:latin typeface="方正姚体" panose="02010601030101010101" pitchFamily="2" charset="-122"/>
-                <a:ea typeface="方正姚体" panose="02010601030101010101" pitchFamily="2" charset="-122"/>
-              </a:rPr>
-              <a:t>应用升级、分捡系统数据库维护更新；</a:t>
-            </a:r>
-            <a:endParaRPr lang="zh-CN" altLang="en-US" sz="1400" dirty="0">
+                <a:sym typeface="+mn-ea"/>
+              </a:rPr>
+              <a:t>.</a:t>
+            </a:r>
+            <a:endParaRPr lang="en-US" altLang="zh-CN" sz="1400" dirty="0" smtClean="0">
               <a:solidFill>
                 <a:schemeClr val="tx1"/>
               </a:solidFill>
               <a:latin typeface="方正姚体" panose="02010601030101010101" pitchFamily="2" charset="-122"/>
               <a:ea typeface="方正姚体" panose="02010601030101010101" pitchFamily="2" charset="-122"/>
-            </a:endParaRPr>
-          </a:p>
-          <a:p>
-            <a:pPr latinLnBrk="1">
-              <a:lnSpc>
-                <a:spcPct val="150000"/>
-              </a:lnSpc>
-            </a:pPr>
-            <a:r>
-              <a:rPr lang="en-US" altLang="zh-CN" sz="1400" dirty="0" smtClean="0">
-                <a:solidFill>
-                  <a:schemeClr val="tx1"/>
-                </a:solidFill>
-                <a:latin typeface="方正姚体" panose="02010601030101010101" pitchFamily="2" charset="-122"/>
-                <a:ea typeface="方正姚体" panose="02010601030101010101" pitchFamily="2" charset="-122"/>
-              </a:rPr>
-              <a:t>5</a:t>
-            </a:r>
-            <a:r>
-              <a:rPr lang="zh-CN" altLang="en-US" sz="1400" dirty="0" smtClean="0">
-                <a:solidFill>
-                  <a:schemeClr val="tx1"/>
-                </a:solidFill>
-                <a:latin typeface="方正姚体" panose="02010601030101010101" pitchFamily="2" charset="-122"/>
-                <a:ea typeface="方正姚体" panose="02010601030101010101" pitchFamily="2" charset="-122"/>
-              </a:rPr>
-              <a:t>、用</a:t>
-            </a:r>
-            <a:r>
-              <a:rPr lang="en-US" altLang="zh-CN" sz="1400" dirty="0" err="1">
-                <a:solidFill>
-                  <a:schemeClr val="tx1"/>
-                </a:solidFill>
-                <a:latin typeface="方正姚体" panose="02010601030101010101" pitchFamily="2" charset="-122"/>
-                <a:ea typeface="方正姚体" panose="02010601030101010101" pitchFamily="2" charset="-122"/>
-              </a:rPr>
-              <a:t>zabbix</a:t>
-            </a:r>
-            <a:r>
-              <a:rPr lang="zh-CN" altLang="en-US" sz="1400" dirty="0">
-                <a:solidFill>
-                  <a:schemeClr val="tx1"/>
-                </a:solidFill>
-                <a:latin typeface="方正姚体" panose="02010601030101010101" pitchFamily="2" charset="-122"/>
-                <a:ea typeface="方正姚体" panose="02010601030101010101" pitchFamily="2" charset="-122"/>
-              </a:rPr>
-              <a:t>对硬件运行环境进行监控、并对数据进行分析，系统故障排</a:t>
-            </a:r>
-            <a:r>
-              <a:rPr lang="zh-CN" altLang="en-US" sz="1400" dirty="0" smtClean="0">
-                <a:solidFill>
-                  <a:schemeClr val="tx1"/>
-                </a:solidFill>
-                <a:latin typeface="方正姚体" panose="02010601030101010101" pitchFamily="2" charset="-122"/>
-                <a:ea typeface="方正姚体" panose="02010601030101010101" pitchFamily="2" charset="-122"/>
-              </a:rPr>
-              <a:t>查。</a:t>
-            </a:r>
-            <a:endParaRPr lang="zh-CN" altLang="en-US" sz="1400" dirty="0">
-              <a:solidFill>
-                <a:schemeClr val="tx1"/>
-              </a:solidFill>
-              <a:latin typeface="方正姚体" panose="02010601030101010101" pitchFamily="2" charset="-122"/>
-              <a:ea typeface="方正姚体" panose="02010601030101010101" pitchFamily="2" charset="-122"/>
+              <a:sym typeface="+mn-ea"/>
             </a:endParaRPr>
           </a:p>
         </p:txBody>
@@ -6354,6 +6308,1044 @@
           <a:chExt cx="0" cy="0"/>
         </a:xfrm>
       </p:grpSpPr>
+      <p:sp>
+        <p:nvSpPr>
+          <p:cNvPr id="31" name="矩形 30"/>
+          <p:cNvSpPr/>
+          <p:nvPr/>
+        </p:nvSpPr>
+        <p:spPr>
+          <a:xfrm>
+            <a:off x="1984785" y="4418713"/>
+            <a:ext cx="6675814" cy="2016224"/>
+          </a:xfrm>
+          <a:prstGeom prst="rect">
+            <a:avLst/>
+          </a:prstGeom>
+          <a:noFill/>
+          <a:ln>
+            <a:noFill/>
+          </a:ln>
+        </p:spPr>
+        <p:style>
+          <a:lnRef idx="2">
+            <a:schemeClr val="accent1">
+              <a:shade val="50000"/>
+            </a:schemeClr>
+          </a:lnRef>
+          <a:fillRef idx="1">
+            <a:schemeClr val="accent1"/>
+          </a:fillRef>
+          <a:effectRef idx="0">
+            <a:schemeClr val="accent1"/>
+          </a:effectRef>
+          <a:fontRef idx="minor">
+            <a:schemeClr val="lt1"/>
+          </a:fontRef>
+        </p:style>
+        <p:txBody>
+          <a:bodyPr rtlCol="0" anchor="ctr"/>
+          <a:lstStyle/>
+          <a:p>
+            <a:pPr latinLnBrk="1">
+              <a:lnSpc>
+                <a:spcPct val="150000"/>
+              </a:lnSpc>
+            </a:pPr>
+            <a:r>
+              <a:rPr lang="zh-CN" altLang="en-US" sz="1400" b="1" dirty="0" smtClean="0">
+                <a:solidFill>
+                  <a:schemeClr val="tx1"/>
+                </a:solidFill>
+                <a:latin typeface="方正姚体" panose="02010601030101010101" pitchFamily="2" charset="-122"/>
+                <a:ea typeface="方正姚体" panose="02010601030101010101" pitchFamily="2" charset="-122"/>
+              </a:rPr>
+              <a:t>工作单位</a:t>
+            </a:r>
+            <a:r>
+              <a:rPr lang="zh-CN" altLang="en-US" sz="1400" b="1" dirty="0">
+                <a:solidFill>
+                  <a:schemeClr val="tx1"/>
+                </a:solidFill>
+                <a:latin typeface="方正姚体" panose="02010601030101010101" pitchFamily="2" charset="-122"/>
+                <a:ea typeface="方正姚体" panose="02010601030101010101" pitchFamily="2" charset="-122"/>
+              </a:rPr>
+              <a:t>：顺丰仓配分公司</a:t>
+            </a:r>
+            <a:r>
+              <a:rPr lang="zh-CN" altLang="en-US" sz="1400" b="1" dirty="0" smtClean="0">
+                <a:solidFill>
+                  <a:schemeClr val="tx1"/>
+                </a:solidFill>
+                <a:latin typeface="方正姚体" panose="02010601030101010101" pitchFamily="2" charset="-122"/>
+                <a:ea typeface="方正姚体" panose="02010601030101010101" pitchFamily="2" charset="-122"/>
+              </a:rPr>
+              <a:t>沈阳有限公司          工作岗位：质量管理中级专员</a:t>
+            </a:r>
+            <a:endParaRPr lang="en-US" altLang="zh-CN" sz="1400" b="1" dirty="0" smtClean="0">
+              <a:solidFill>
+                <a:schemeClr val="tx1"/>
+              </a:solidFill>
+              <a:latin typeface="方正姚体" panose="02010601030101010101" pitchFamily="2" charset="-122"/>
+              <a:ea typeface="方正姚体" panose="02010601030101010101" pitchFamily="2" charset="-122"/>
+            </a:endParaRPr>
+          </a:p>
+          <a:p>
+            <a:pPr latinLnBrk="1">
+              <a:lnSpc>
+                <a:spcPct val="150000"/>
+              </a:lnSpc>
+            </a:pPr>
+            <a:r>
+              <a:rPr lang="zh-CN" altLang="en-US" sz="1400" b="1" dirty="0" smtClean="0">
+                <a:solidFill>
+                  <a:schemeClr val="tx1"/>
+                </a:solidFill>
+                <a:latin typeface="方正姚体" panose="02010601030101010101" pitchFamily="2" charset="-122"/>
+                <a:ea typeface="方正姚体" panose="02010601030101010101" pitchFamily="2" charset="-122"/>
+              </a:rPr>
+              <a:t>工作年限：</a:t>
+            </a:r>
+            <a:r>
+              <a:rPr lang="en-US" altLang="zh-CN" sz="1400" b="1" dirty="0" smtClean="0">
+                <a:solidFill>
+                  <a:schemeClr val="tx1"/>
+                </a:solidFill>
+                <a:latin typeface="方正姚体" panose="02010601030101010101" pitchFamily="2" charset="-122"/>
+                <a:ea typeface="方正姚体" panose="02010601030101010101" pitchFamily="2" charset="-122"/>
+              </a:rPr>
+              <a:t>2</a:t>
+            </a:r>
+            <a:r>
+              <a:rPr lang="zh-CN" altLang="en-US" sz="1400" b="1" dirty="0" smtClean="0">
+                <a:solidFill>
+                  <a:schemeClr val="tx1"/>
+                </a:solidFill>
+                <a:latin typeface="方正姚体" panose="02010601030101010101" pitchFamily="2" charset="-122"/>
+                <a:ea typeface="方正姚体" panose="02010601030101010101" pitchFamily="2" charset="-122"/>
+              </a:rPr>
+              <a:t>年零</a:t>
+            </a:r>
+            <a:r>
+              <a:rPr lang="en-US" altLang="zh-CN" sz="1400" b="1" dirty="0" smtClean="0">
+                <a:solidFill>
+                  <a:schemeClr val="tx1"/>
+                </a:solidFill>
+                <a:latin typeface="方正姚体" panose="02010601030101010101" pitchFamily="2" charset="-122"/>
+                <a:ea typeface="方正姚体" panose="02010601030101010101" pitchFamily="2" charset="-122"/>
+              </a:rPr>
+              <a:t>10</a:t>
+            </a:r>
+            <a:r>
+              <a:rPr lang="zh-CN" altLang="en-US" sz="1400" b="1" dirty="0" smtClean="0">
+                <a:solidFill>
+                  <a:schemeClr val="tx1"/>
+                </a:solidFill>
+                <a:latin typeface="方正姚体" panose="02010601030101010101" pitchFamily="2" charset="-122"/>
+                <a:ea typeface="方正姚体" panose="02010601030101010101" pitchFamily="2" charset="-122"/>
+              </a:rPr>
+              <a:t>个月</a:t>
+            </a:r>
+            <a:endParaRPr lang="en-US" altLang="zh-CN" sz="1400" b="1" dirty="0">
+              <a:solidFill>
+                <a:schemeClr val="tx1"/>
+              </a:solidFill>
+              <a:latin typeface="方正姚体" panose="02010601030101010101" pitchFamily="2" charset="-122"/>
+              <a:ea typeface="方正姚体" panose="02010601030101010101" pitchFamily="2" charset="-122"/>
+            </a:endParaRPr>
+          </a:p>
+          <a:p>
+            <a:pPr latinLnBrk="1">
+              <a:lnSpc>
+                <a:spcPct val="150000"/>
+              </a:lnSpc>
+            </a:pPr>
+            <a:endParaRPr lang="en-US" altLang="zh-CN" sz="1400" b="1" dirty="0" smtClean="0">
+              <a:solidFill>
+                <a:schemeClr val="tx1"/>
+              </a:solidFill>
+              <a:latin typeface="方正姚体" panose="02010601030101010101" pitchFamily="2" charset="-122"/>
+              <a:ea typeface="方正姚体" panose="02010601030101010101" pitchFamily="2" charset="-122"/>
+            </a:endParaRPr>
+          </a:p>
+          <a:p>
+            <a:pPr latinLnBrk="1">
+              <a:lnSpc>
+                <a:spcPct val="150000"/>
+              </a:lnSpc>
+            </a:pPr>
+            <a:r>
+              <a:rPr lang="zh-CN" altLang="en-US" sz="1400" b="1" dirty="0" smtClean="0">
+                <a:solidFill>
+                  <a:schemeClr val="tx1"/>
+                </a:solidFill>
+                <a:latin typeface="方正姚体" panose="02010601030101010101" pitchFamily="2" charset="-122"/>
+                <a:ea typeface="方正姚体" panose="02010601030101010101" pitchFamily="2" charset="-122"/>
+              </a:rPr>
+              <a:t>主要工作职责</a:t>
+            </a:r>
+            <a:r>
+              <a:rPr lang="zh-CN" altLang="zh-CN" sz="1400" b="1" dirty="0" smtClean="0">
+                <a:solidFill>
+                  <a:schemeClr val="tx1"/>
+                </a:solidFill>
+                <a:latin typeface="方正姚体" panose="02010601030101010101" pitchFamily="2" charset="-122"/>
+                <a:ea typeface="方正姚体" panose="02010601030101010101" pitchFamily="2" charset="-122"/>
+              </a:rPr>
+              <a:t>：</a:t>
+            </a:r>
+            <a:endParaRPr lang="zh-CN" altLang="zh-CN" sz="1400" dirty="0">
+              <a:solidFill>
+                <a:schemeClr val="tx1"/>
+              </a:solidFill>
+              <a:latin typeface="方正姚体" panose="02010601030101010101" pitchFamily="2" charset="-122"/>
+              <a:ea typeface="方正姚体" panose="02010601030101010101" pitchFamily="2" charset="-122"/>
+            </a:endParaRPr>
+          </a:p>
+          <a:p>
+            <a:pPr>
+              <a:lnSpc>
+                <a:spcPct val="150000"/>
+              </a:lnSpc>
+            </a:pPr>
+            <a:r>
+              <a:rPr lang="zh-CN" altLang="en-US" sz="1400" dirty="0" smtClean="0">
+                <a:solidFill>
+                  <a:schemeClr val="tx1"/>
+                </a:solidFill>
+                <a:latin typeface="方正姚体" panose="02010601030101010101" pitchFamily="2" charset="-122"/>
+                <a:ea typeface="方正姚体" panose="02010601030101010101" pitchFamily="2" charset="-122"/>
+              </a:rPr>
+              <a:t>快件</a:t>
+            </a:r>
+            <a:r>
+              <a:rPr lang="zh-CN" altLang="en-US" sz="1400" dirty="0">
+                <a:solidFill>
+                  <a:schemeClr val="tx1"/>
+                </a:solidFill>
+                <a:latin typeface="方正姚体" panose="02010601030101010101" pitchFamily="2" charset="-122"/>
+                <a:ea typeface="方正姚体" panose="02010601030101010101" pitchFamily="2" charset="-122"/>
+              </a:rPr>
+              <a:t>时效</a:t>
+            </a:r>
+            <a:r>
+              <a:rPr lang="zh-CN" altLang="en-US" sz="1400" dirty="0" smtClean="0">
+                <a:solidFill>
+                  <a:schemeClr val="tx1"/>
+                </a:solidFill>
+                <a:latin typeface="方正姚体" panose="02010601030101010101" pitchFamily="2" charset="-122"/>
+                <a:ea typeface="方正姚体" panose="02010601030101010101" pitchFamily="2" charset="-122"/>
+              </a:rPr>
+              <a:t>管理</a:t>
+            </a:r>
+            <a:r>
+              <a:rPr lang="zh-CN" altLang="en-US" sz="1400" dirty="0">
+                <a:solidFill>
+                  <a:schemeClr val="tx1"/>
+                </a:solidFill>
+                <a:latin typeface="方正姚体" panose="02010601030101010101" pitchFamily="2" charset="-122"/>
+                <a:ea typeface="方正姚体" panose="02010601030101010101" pitchFamily="2" charset="-122"/>
+              </a:rPr>
+              <a:t>，</a:t>
+            </a:r>
+            <a:r>
+              <a:rPr lang="zh-CN" altLang="en-US" sz="1400" dirty="0" smtClean="0">
+                <a:solidFill>
+                  <a:schemeClr val="tx1"/>
+                </a:solidFill>
+                <a:latin typeface="方正姚体" panose="02010601030101010101" pitchFamily="2" charset="-122"/>
+                <a:ea typeface="方正姚体" panose="02010601030101010101" pitchFamily="2" charset="-122"/>
+              </a:rPr>
+              <a:t>包括</a:t>
+            </a:r>
+            <a:r>
+              <a:rPr lang="zh-CN" altLang="en-US" sz="1400" dirty="0">
+                <a:solidFill>
+                  <a:schemeClr val="tx1"/>
+                </a:solidFill>
+                <a:latin typeface="方正姚体" panose="02010601030101010101" pitchFamily="2" charset="-122"/>
+                <a:ea typeface="方正姚体" panose="02010601030101010101" pitchFamily="2" charset="-122"/>
+              </a:rPr>
+              <a:t>上门收件与派</a:t>
+            </a:r>
+            <a:r>
+              <a:rPr lang="zh-CN" altLang="en-US" sz="1400" dirty="0" smtClean="0">
+                <a:solidFill>
+                  <a:schemeClr val="tx1"/>
+                </a:solidFill>
+                <a:latin typeface="方正姚体" panose="02010601030101010101" pitchFamily="2" charset="-122"/>
+                <a:ea typeface="方正姚体" panose="02010601030101010101" pitchFamily="2" charset="-122"/>
+              </a:rPr>
+              <a:t>件、中转、客户投诉等</a:t>
+            </a:r>
+            <a:r>
+              <a:rPr lang="zh-CN" altLang="en-US" sz="1400" dirty="0">
+                <a:solidFill>
+                  <a:schemeClr val="tx1"/>
+                </a:solidFill>
+                <a:latin typeface="方正姚体" panose="02010601030101010101" pitchFamily="2" charset="-122"/>
+                <a:ea typeface="方正姚体" panose="02010601030101010101" pitchFamily="2" charset="-122"/>
+              </a:rPr>
+              <a:t>时效类管理</a:t>
+            </a:r>
+            <a:r>
+              <a:rPr lang="zh-CN" altLang="en-US" sz="1400" dirty="0" smtClean="0">
+                <a:solidFill>
+                  <a:schemeClr val="tx1"/>
+                </a:solidFill>
+                <a:latin typeface="方正姚体" panose="02010601030101010101" pitchFamily="2" charset="-122"/>
+                <a:ea typeface="方正姚体" panose="02010601030101010101" pitchFamily="2" charset="-122"/>
+              </a:rPr>
+              <a:t>。</a:t>
+            </a:r>
+            <a:endParaRPr lang="zh-CN" altLang="en-US" sz="1400" dirty="0">
+              <a:solidFill>
+                <a:schemeClr val="tx1"/>
+              </a:solidFill>
+              <a:latin typeface="方正姚体" panose="02010601030101010101" pitchFamily="2" charset="-122"/>
+              <a:ea typeface="方正姚体" panose="02010601030101010101" pitchFamily="2" charset="-122"/>
+            </a:endParaRPr>
+          </a:p>
+        </p:txBody>
+      </p:sp>
+      <p:sp>
+        <p:nvSpPr>
+          <p:cNvPr id="32" name="矩形 31"/>
+          <p:cNvSpPr/>
+          <p:nvPr/>
+        </p:nvSpPr>
+        <p:spPr>
+          <a:xfrm>
+            <a:off x="1980565" y="6774815"/>
+            <a:ext cx="6675755" cy="3543300"/>
+          </a:xfrm>
+          <a:prstGeom prst="rect">
+            <a:avLst/>
+          </a:prstGeom>
+          <a:noFill/>
+          <a:ln>
+            <a:noFill/>
+          </a:ln>
+        </p:spPr>
+        <p:style>
+          <a:lnRef idx="2">
+            <a:schemeClr val="accent1">
+              <a:shade val="50000"/>
+            </a:schemeClr>
+          </a:lnRef>
+          <a:fillRef idx="1">
+            <a:schemeClr val="accent1"/>
+          </a:fillRef>
+          <a:effectRef idx="0">
+            <a:schemeClr val="accent1"/>
+          </a:effectRef>
+          <a:fontRef idx="minor">
+            <a:schemeClr val="lt1"/>
+          </a:fontRef>
+        </p:style>
+        <p:txBody>
+          <a:bodyPr rtlCol="0" anchor="t"/>
+          <a:lstStyle/>
+          <a:p>
+            <a:pPr latinLnBrk="1">
+              <a:lnSpc>
+                <a:spcPct val="150000"/>
+              </a:lnSpc>
+            </a:pPr>
+            <a:r>
+              <a:rPr lang="zh-CN" altLang="en-US" sz="1400" b="1" dirty="0" smtClean="0">
+                <a:solidFill>
+                  <a:schemeClr val="tx1"/>
+                </a:solidFill>
+                <a:latin typeface="方正姚体" panose="02010601030101010101" pitchFamily="2" charset="-122"/>
+                <a:ea typeface="方正姚体" panose="02010601030101010101" pitchFamily="2" charset="-122"/>
+              </a:rPr>
+              <a:t>项目名称</a:t>
+            </a:r>
+            <a:r>
+              <a:rPr lang="zh-CN" altLang="en-US" sz="1400" dirty="0">
+                <a:solidFill>
+                  <a:schemeClr val="tx1"/>
+                </a:solidFill>
+                <a:latin typeface="方正姚体" panose="02010601030101010101" pitchFamily="2" charset="-122"/>
+                <a:ea typeface="方正姚体" panose="02010601030101010101" pitchFamily="2" charset="-122"/>
+              </a:rPr>
+              <a:t>：冷运分公司监控管理系统搭建</a:t>
+            </a:r>
+            <a:endParaRPr lang="zh-CN" altLang="en-US" sz="1400" dirty="0">
+              <a:solidFill>
+                <a:schemeClr val="tx1"/>
+              </a:solidFill>
+              <a:latin typeface="方正姚体" panose="02010601030101010101" pitchFamily="2" charset="-122"/>
+              <a:ea typeface="方正姚体" panose="02010601030101010101" pitchFamily="2" charset="-122"/>
+            </a:endParaRPr>
+          </a:p>
+          <a:p>
+            <a:pPr latinLnBrk="1">
+              <a:lnSpc>
+                <a:spcPct val="150000"/>
+              </a:lnSpc>
+            </a:pPr>
+            <a:r>
+              <a:rPr lang="zh-CN" altLang="en-US" sz="1400" b="1" dirty="0" smtClean="0">
+                <a:solidFill>
+                  <a:schemeClr val="tx1"/>
+                </a:solidFill>
+                <a:latin typeface="方正姚体" panose="02010601030101010101" pitchFamily="2" charset="-122"/>
+                <a:ea typeface="方正姚体" panose="02010601030101010101" pitchFamily="2" charset="-122"/>
+              </a:rPr>
+              <a:t>运行环境</a:t>
+            </a:r>
+            <a:r>
+              <a:rPr lang="zh-CN" altLang="en-US" sz="1400" dirty="0">
+                <a:solidFill>
+                  <a:schemeClr val="tx1"/>
+                </a:solidFill>
+                <a:latin typeface="方正姚体" panose="02010601030101010101" pitchFamily="2" charset="-122"/>
+                <a:ea typeface="方正姚体" panose="02010601030101010101" pitchFamily="2" charset="-122"/>
+              </a:rPr>
+              <a:t>：</a:t>
+            </a:r>
+            <a:r>
+              <a:rPr lang="en-US" altLang="zh-CN" sz="1400" dirty="0">
+                <a:solidFill>
+                  <a:schemeClr val="tx1"/>
+                </a:solidFill>
+                <a:latin typeface="方正姚体" panose="02010601030101010101" pitchFamily="2" charset="-122"/>
+                <a:ea typeface="方正姚体" panose="02010601030101010101" pitchFamily="2" charset="-122"/>
+              </a:rPr>
+              <a:t>Centos 6.8 </a:t>
+            </a:r>
+            <a:endParaRPr lang="en-US" altLang="zh-CN" sz="1400" dirty="0">
+              <a:solidFill>
+                <a:schemeClr val="tx1"/>
+              </a:solidFill>
+              <a:latin typeface="方正姚体" panose="02010601030101010101" pitchFamily="2" charset="-122"/>
+              <a:ea typeface="方正姚体" panose="02010601030101010101" pitchFamily="2" charset="-122"/>
+            </a:endParaRPr>
+          </a:p>
+          <a:p>
+            <a:pPr latinLnBrk="1">
+              <a:lnSpc>
+                <a:spcPct val="150000"/>
+              </a:lnSpc>
+            </a:pPr>
+            <a:r>
+              <a:rPr lang="zh-CN" altLang="en-US" sz="1400" b="1" dirty="0" smtClean="0">
+                <a:solidFill>
+                  <a:schemeClr val="tx1"/>
+                </a:solidFill>
+                <a:latin typeface="方正姚体" panose="02010601030101010101" pitchFamily="2" charset="-122"/>
+                <a:ea typeface="方正姚体" panose="02010601030101010101" pitchFamily="2" charset="-122"/>
+              </a:rPr>
+              <a:t>硬件</a:t>
+            </a:r>
+            <a:r>
+              <a:rPr lang="zh-CN" altLang="en-US" sz="1400" b="1" dirty="0">
+                <a:solidFill>
+                  <a:schemeClr val="tx1"/>
+                </a:solidFill>
+                <a:latin typeface="方正姚体" panose="02010601030101010101" pitchFamily="2" charset="-122"/>
+                <a:ea typeface="方正姚体" panose="02010601030101010101" pitchFamily="2" charset="-122"/>
+              </a:rPr>
+              <a:t>环境</a:t>
+            </a:r>
+            <a:r>
+              <a:rPr lang="zh-CN" altLang="en-US" sz="1400" dirty="0">
+                <a:solidFill>
+                  <a:schemeClr val="tx1"/>
+                </a:solidFill>
+                <a:latin typeface="方正姚体" panose="02010601030101010101" pitchFamily="2" charset="-122"/>
+                <a:ea typeface="方正姚体" panose="02010601030101010101" pitchFamily="2" charset="-122"/>
+              </a:rPr>
+              <a:t>：</a:t>
+            </a:r>
+            <a:r>
+              <a:rPr lang="en-US" altLang="zh-CN" sz="1400" dirty="0">
+                <a:solidFill>
+                  <a:schemeClr val="tx1"/>
+                </a:solidFill>
+                <a:latin typeface="方正姚体" panose="02010601030101010101" pitchFamily="2" charset="-122"/>
+                <a:ea typeface="方正姚体" panose="02010601030101010101" pitchFamily="2" charset="-122"/>
+              </a:rPr>
+              <a:t>Dell PowerEdge R710 </a:t>
+            </a:r>
+            <a:endParaRPr lang="en-US" altLang="zh-CN" sz="1400" dirty="0">
+              <a:solidFill>
+                <a:schemeClr val="tx1"/>
+              </a:solidFill>
+              <a:latin typeface="方正姚体" panose="02010601030101010101" pitchFamily="2" charset="-122"/>
+              <a:ea typeface="方正姚体" panose="02010601030101010101" pitchFamily="2" charset="-122"/>
+            </a:endParaRPr>
+          </a:p>
+          <a:p>
+            <a:pPr latinLnBrk="1">
+              <a:lnSpc>
+                <a:spcPct val="150000"/>
+              </a:lnSpc>
+            </a:pPr>
+            <a:r>
+              <a:rPr lang="zh-CN" altLang="en-US" sz="1400" b="1" dirty="0" smtClean="0">
+                <a:solidFill>
+                  <a:schemeClr val="tx1"/>
+                </a:solidFill>
+                <a:latin typeface="方正姚体" panose="02010601030101010101" pitchFamily="2" charset="-122"/>
+                <a:ea typeface="方正姚体" panose="02010601030101010101" pitchFamily="2" charset="-122"/>
+              </a:rPr>
+              <a:t>责任</a:t>
+            </a:r>
+            <a:r>
+              <a:rPr lang="zh-CN" altLang="en-US" sz="1400" b="1" dirty="0">
+                <a:solidFill>
+                  <a:schemeClr val="tx1"/>
+                </a:solidFill>
+                <a:latin typeface="方正姚体" panose="02010601030101010101" pitchFamily="2" charset="-122"/>
+                <a:ea typeface="方正姚体" panose="02010601030101010101" pitchFamily="2" charset="-122"/>
+              </a:rPr>
+              <a:t>描述</a:t>
+            </a:r>
+            <a:r>
+              <a:rPr lang="zh-CN" altLang="en-US" sz="1400" dirty="0">
+                <a:solidFill>
+                  <a:schemeClr val="tx1"/>
+                </a:solidFill>
+                <a:latin typeface="方正姚体" panose="02010601030101010101" pitchFamily="2" charset="-122"/>
+                <a:ea typeface="方正姚体" panose="02010601030101010101" pitchFamily="2" charset="-122"/>
+              </a:rPr>
+              <a:t>：</a:t>
+            </a:r>
+            <a:r>
+              <a:rPr lang="en-US" altLang="zh-CN" sz="1400" dirty="0">
+                <a:solidFill>
+                  <a:schemeClr val="tx1"/>
+                </a:solidFill>
+                <a:latin typeface="方正姚体" panose="02010601030101010101" pitchFamily="2" charset="-122"/>
+                <a:ea typeface="方正姚体" panose="02010601030101010101" pitchFamily="2" charset="-122"/>
+              </a:rPr>
+              <a:t>Web</a:t>
+            </a:r>
+            <a:r>
+              <a:rPr lang="zh-CN" altLang="en-US" sz="1400" dirty="0">
+                <a:solidFill>
+                  <a:schemeClr val="tx1"/>
+                </a:solidFill>
+                <a:latin typeface="方正姚体" panose="02010601030101010101" pitchFamily="2" charset="-122"/>
+                <a:ea typeface="方正姚体" panose="02010601030101010101" pitchFamily="2" charset="-122"/>
+              </a:rPr>
+              <a:t>高可用环境</a:t>
+            </a:r>
+            <a:r>
+              <a:rPr lang="zh-CN" altLang="en-US" sz="1400" dirty="0" smtClean="0">
+                <a:solidFill>
+                  <a:schemeClr val="tx1"/>
+                </a:solidFill>
+                <a:latin typeface="方正姚体" panose="02010601030101010101" pitchFamily="2" charset="-122"/>
+                <a:ea typeface="方正姚体" panose="02010601030101010101" pitchFamily="2" charset="-122"/>
+              </a:rPr>
+              <a:t>搭建</a:t>
+            </a:r>
+            <a:endParaRPr lang="zh-CN" altLang="en-US" sz="1400" dirty="0">
+              <a:solidFill>
+                <a:schemeClr val="tx1"/>
+              </a:solidFill>
+              <a:latin typeface="方正姚体" panose="02010601030101010101" pitchFamily="2" charset="-122"/>
+              <a:ea typeface="方正姚体" panose="02010601030101010101" pitchFamily="2" charset="-122"/>
+            </a:endParaRPr>
+          </a:p>
+          <a:p>
+            <a:pPr latinLnBrk="1">
+              <a:lnSpc>
+                <a:spcPct val="150000"/>
+              </a:lnSpc>
+            </a:pPr>
+            <a:r>
+              <a:rPr lang="zh-CN" altLang="en-US" sz="1400" b="1" dirty="0" smtClean="0">
+                <a:solidFill>
+                  <a:schemeClr val="tx1"/>
+                </a:solidFill>
+                <a:latin typeface="方正姚体" panose="02010601030101010101" pitchFamily="2" charset="-122"/>
+                <a:ea typeface="方正姚体" panose="02010601030101010101" pitchFamily="2" charset="-122"/>
+              </a:rPr>
+              <a:t>项目</a:t>
+            </a:r>
+            <a:r>
+              <a:rPr lang="zh-CN" altLang="en-US" sz="1400" b="1" dirty="0">
+                <a:solidFill>
+                  <a:schemeClr val="tx1"/>
+                </a:solidFill>
+                <a:latin typeface="方正姚体" panose="02010601030101010101" pitchFamily="2" charset="-122"/>
+                <a:ea typeface="方正姚体" panose="02010601030101010101" pitchFamily="2" charset="-122"/>
+              </a:rPr>
+              <a:t>简介</a:t>
+            </a:r>
+            <a:r>
+              <a:rPr lang="zh-CN" altLang="en-US" sz="1400" dirty="0">
+                <a:solidFill>
+                  <a:schemeClr val="tx1"/>
+                </a:solidFill>
+                <a:latin typeface="方正姚体" panose="02010601030101010101" pitchFamily="2" charset="-122"/>
+                <a:ea typeface="方正姚体" panose="02010601030101010101" pitchFamily="2" charset="-122"/>
+              </a:rPr>
+              <a:t>：</a:t>
+            </a:r>
+            <a:endParaRPr lang="zh-CN" altLang="en-US" sz="1400" dirty="0">
+              <a:solidFill>
+                <a:schemeClr val="tx1"/>
+              </a:solidFill>
+              <a:latin typeface="方正姚体" panose="02010601030101010101" pitchFamily="2" charset="-122"/>
+              <a:ea typeface="方正姚体" panose="02010601030101010101" pitchFamily="2" charset="-122"/>
+            </a:endParaRPr>
+          </a:p>
+          <a:p>
+            <a:pPr latinLnBrk="1">
+              <a:lnSpc>
+                <a:spcPct val="150000"/>
+              </a:lnSpc>
+            </a:pPr>
+            <a:r>
+              <a:rPr lang="zh-CN" altLang="en-US" sz="1400" dirty="0">
+                <a:solidFill>
+                  <a:schemeClr val="tx1"/>
+                </a:solidFill>
+                <a:latin typeface="方正姚体" panose="02010601030101010101" pitchFamily="2" charset="-122"/>
+                <a:ea typeface="方正姚体" panose="02010601030101010101" pitchFamily="2" charset="-122"/>
+              </a:rPr>
+              <a:t>        </a:t>
+            </a:r>
+            <a:r>
+              <a:rPr lang="zh-CN" altLang="en-US" sz="1400" dirty="0" smtClean="0">
+                <a:solidFill>
+                  <a:schemeClr val="tx1"/>
+                </a:solidFill>
+                <a:latin typeface="方正姚体" panose="02010601030101010101" pitchFamily="2" charset="-122"/>
+                <a:ea typeface="方正姚体" panose="02010601030101010101" pitchFamily="2" charset="-122"/>
+              </a:rPr>
+              <a:t>冷运</a:t>
+            </a:r>
+            <a:r>
+              <a:rPr lang="zh-CN" altLang="en-US" sz="1400" dirty="0">
+                <a:solidFill>
+                  <a:schemeClr val="tx1"/>
+                </a:solidFill>
+                <a:latin typeface="方正姚体" panose="02010601030101010101" pitchFamily="2" charset="-122"/>
+                <a:ea typeface="方正姚体" panose="02010601030101010101" pitchFamily="2" charset="-122"/>
+              </a:rPr>
+              <a:t>分公司营运需求，需搭建高可用、负载均衡的 </a:t>
+            </a:r>
+            <a:r>
+              <a:rPr lang="en-US" altLang="zh-CN" sz="1400" dirty="0">
+                <a:solidFill>
+                  <a:schemeClr val="tx1"/>
+                </a:solidFill>
+                <a:latin typeface="方正姚体" panose="02010601030101010101" pitchFamily="2" charset="-122"/>
+                <a:ea typeface="方正姚体" panose="02010601030101010101" pitchFamily="2" charset="-122"/>
+              </a:rPr>
+              <a:t>web </a:t>
+            </a:r>
+            <a:r>
+              <a:rPr lang="zh-CN" altLang="en-US" sz="1400" dirty="0" smtClean="0">
+                <a:solidFill>
+                  <a:schemeClr val="tx1"/>
+                </a:solidFill>
+                <a:latin typeface="方正姚体" panose="02010601030101010101" pitchFamily="2" charset="-122"/>
+                <a:ea typeface="方正姚体" panose="02010601030101010101" pitchFamily="2" charset="-122"/>
+              </a:rPr>
+              <a:t>集群。</a:t>
+            </a:r>
+            <a:endParaRPr lang="en-US" altLang="zh-CN" sz="1400" dirty="0" smtClean="0">
+              <a:solidFill>
+                <a:schemeClr val="tx1"/>
+              </a:solidFill>
+              <a:latin typeface="方正姚体" panose="02010601030101010101" pitchFamily="2" charset="-122"/>
+              <a:ea typeface="方正姚体" panose="02010601030101010101" pitchFamily="2" charset="-122"/>
+            </a:endParaRPr>
+          </a:p>
+          <a:p>
+            <a:pPr latinLnBrk="1">
+              <a:lnSpc>
+                <a:spcPct val="150000"/>
+              </a:lnSpc>
+            </a:pPr>
+            <a:r>
+              <a:rPr lang="en-US" altLang="zh-CN" sz="1400" dirty="0">
+                <a:solidFill>
+                  <a:schemeClr val="tx1"/>
+                </a:solidFill>
+                <a:latin typeface="方正姚体" panose="02010601030101010101" pitchFamily="2" charset="-122"/>
+                <a:ea typeface="方正姚体" panose="02010601030101010101" pitchFamily="2" charset="-122"/>
+              </a:rPr>
+              <a:t> </a:t>
+            </a:r>
+            <a:r>
+              <a:rPr lang="en-US" altLang="zh-CN" sz="1400" dirty="0" smtClean="0">
+                <a:solidFill>
+                  <a:schemeClr val="tx1"/>
+                </a:solidFill>
+                <a:latin typeface="方正姚体" panose="02010601030101010101" pitchFamily="2" charset="-122"/>
+                <a:ea typeface="方正姚体" panose="02010601030101010101" pitchFamily="2" charset="-122"/>
+              </a:rPr>
+              <a:t>       </a:t>
+            </a:r>
+            <a:r>
+              <a:rPr lang="zh-CN" altLang="en-US" sz="1400" dirty="0" smtClean="0">
+                <a:solidFill>
+                  <a:schemeClr val="tx1"/>
+                </a:solidFill>
+                <a:latin typeface="方正姚体" panose="02010601030101010101" pitchFamily="2" charset="-122"/>
+                <a:ea typeface="方正姚体" panose="02010601030101010101" pitchFamily="2" charset="-122"/>
+              </a:rPr>
+              <a:t>前端</a:t>
+            </a:r>
+            <a:r>
+              <a:rPr lang="zh-CN" altLang="en-US" sz="1400" dirty="0">
+                <a:solidFill>
+                  <a:schemeClr val="tx1"/>
+                </a:solidFill>
+                <a:latin typeface="方正姚体" panose="02010601030101010101" pitchFamily="2" charset="-122"/>
+                <a:ea typeface="方正姚体" panose="02010601030101010101" pitchFamily="2" charset="-122"/>
+              </a:rPr>
+              <a:t>采用</a:t>
+            </a:r>
+            <a:r>
+              <a:rPr lang="en-US" altLang="zh-CN" sz="1400" dirty="0">
+                <a:solidFill>
+                  <a:schemeClr val="tx1"/>
+                </a:solidFill>
+                <a:latin typeface="方正姚体" panose="02010601030101010101" pitchFamily="2" charset="-122"/>
+                <a:ea typeface="方正姚体" panose="02010601030101010101" pitchFamily="2" charset="-122"/>
+              </a:rPr>
+              <a:t>4</a:t>
+            </a:r>
+            <a:r>
+              <a:rPr lang="zh-CN" altLang="en-US" sz="1400" dirty="0">
+                <a:solidFill>
+                  <a:schemeClr val="tx1"/>
+                </a:solidFill>
+                <a:latin typeface="方正姚体" panose="02010601030101010101" pitchFamily="2" charset="-122"/>
+                <a:ea typeface="方正姚体" panose="02010601030101010101" pitchFamily="2" charset="-122"/>
+              </a:rPr>
+              <a:t>太服务器实现高可用、负载均衡的</a:t>
+            </a:r>
+            <a:r>
+              <a:rPr lang="en-US" altLang="zh-CN" sz="1400" dirty="0">
+                <a:solidFill>
+                  <a:schemeClr val="tx1"/>
+                </a:solidFill>
+                <a:latin typeface="方正姚体" panose="02010601030101010101" pitchFamily="2" charset="-122"/>
+                <a:ea typeface="方正姚体" panose="02010601030101010101" pitchFamily="2" charset="-122"/>
+              </a:rPr>
+              <a:t>web</a:t>
+            </a:r>
+            <a:r>
+              <a:rPr lang="zh-CN" altLang="en-US" sz="1400" dirty="0">
+                <a:solidFill>
+                  <a:schemeClr val="tx1"/>
+                </a:solidFill>
+                <a:latin typeface="方正姚体" panose="02010601030101010101" pitchFamily="2" charset="-122"/>
+                <a:ea typeface="方正姚体" panose="02010601030101010101" pitchFamily="2" charset="-122"/>
+              </a:rPr>
+              <a:t>集群，后端采用</a:t>
+            </a:r>
+            <a:r>
+              <a:rPr lang="en-US" altLang="zh-CN" sz="1400" dirty="0" err="1">
+                <a:solidFill>
+                  <a:schemeClr val="tx1"/>
+                </a:solidFill>
+                <a:latin typeface="方正姚体" panose="02010601030101010101" pitchFamily="2" charset="-122"/>
+                <a:ea typeface="方正姚体" panose="02010601030101010101" pitchFamily="2" charset="-122"/>
+              </a:rPr>
+              <a:t>mysql</a:t>
+            </a:r>
+            <a:r>
+              <a:rPr lang="zh-CN" altLang="en-US" sz="1400" dirty="0">
+                <a:solidFill>
+                  <a:schemeClr val="tx1"/>
+                </a:solidFill>
+                <a:latin typeface="方正姚体" panose="02010601030101010101" pitchFamily="2" charset="-122"/>
+                <a:ea typeface="方正姚体" panose="02010601030101010101" pitchFamily="2" charset="-122"/>
+              </a:rPr>
+              <a:t>主从以及</a:t>
+            </a:r>
+            <a:r>
+              <a:rPr lang="en-US" altLang="zh-CN" sz="1400" dirty="0">
+                <a:solidFill>
+                  <a:schemeClr val="tx1"/>
+                </a:solidFill>
+                <a:latin typeface="方正姚体" panose="02010601030101010101" pitchFamily="2" charset="-122"/>
+                <a:ea typeface="方正姚体" panose="02010601030101010101" pitchFamily="2" charset="-122"/>
+              </a:rPr>
+              <a:t>GPS</a:t>
+            </a:r>
+            <a:r>
+              <a:rPr lang="zh-CN" altLang="en-US" sz="1400" dirty="0" smtClean="0">
+                <a:solidFill>
+                  <a:schemeClr val="tx1"/>
+                </a:solidFill>
+                <a:latin typeface="方正姚体" panose="02010601030101010101" pitchFamily="2" charset="-122"/>
+                <a:ea typeface="方正姚体" panose="02010601030101010101" pitchFamily="2" charset="-122"/>
+              </a:rPr>
+              <a:t>服务器</a:t>
+            </a:r>
+            <a:r>
+              <a:rPr lang="zh-CN" altLang="en-US" sz="1400" dirty="0">
+                <a:solidFill>
+                  <a:schemeClr val="tx1"/>
+                </a:solidFill>
+                <a:latin typeface="方正姚体" panose="02010601030101010101" pitchFamily="2" charset="-122"/>
+                <a:ea typeface="方正姚体" panose="02010601030101010101" pitchFamily="2" charset="-122"/>
+              </a:rPr>
+              <a:t>实时</a:t>
+            </a:r>
+            <a:r>
+              <a:rPr lang="zh-CN" altLang="en-US" sz="1400" dirty="0" smtClean="0">
+                <a:solidFill>
+                  <a:schemeClr val="tx1"/>
+                </a:solidFill>
+                <a:latin typeface="方正姚体" panose="02010601030101010101" pitchFamily="2" charset="-122"/>
+                <a:ea typeface="方正姚体" panose="02010601030101010101" pitchFamily="2" charset="-122"/>
+              </a:rPr>
+              <a:t>上</a:t>
+            </a:r>
+            <a:r>
+              <a:rPr lang="zh-CN" altLang="en-US" sz="1400" dirty="0">
+                <a:solidFill>
+                  <a:schemeClr val="tx1"/>
+                </a:solidFill>
+                <a:latin typeface="方正姚体" panose="02010601030101010101" pitchFamily="2" charset="-122"/>
+                <a:ea typeface="方正姚体" panose="02010601030101010101" pitchFamily="2" charset="-122"/>
+              </a:rPr>
+              <a:t>传</a:t>
+            </a:r>
+            <a:r>
+              <a:rPr lang="zh-CN" altLang="en-US" sz="1400" dirty="0" smtClean="0">
+                <a:solidFill>
+                  <a:schemeClr val="tx1"/>
+                </a:solidFill>
+                <a:latin typeface="方正姚体" panose="02010601030101010101" pitchFamily="2" charset="-122"/>
+                <a:ea typeface="方正姚体" panose="02010601030101010101" pitchFamily="2" charset="-122"/>
+              </a:rPr>
+              <a:t>数据，从而</a:t>
+            </a:r>
+            <a:r>
+              <a:rPr lang="zh-CN" altLang="en-US" sz="1400" dirty="0">
+                <a:solidFill>
+                  <a:schemeClr val="tx1"/>
+                </a:solidFill>
+                <a:latin typeface="方正姚体" panose="02010601030101010101" pitchFamily="2" charset="-122"/>
+                <a:ea typeface="方正姚体" panose="02010601030101010101" pitchFamily="2" charset="-122"/>
+              </a:rPr>
+              <a:t>实现冷运分公司 7*27小时营运监控。</a:t>
+            </a:r>
+            <a:endParaRPr lang="zh-CN" altLang="en-US" sz="1400" dirty="0">
+              <a:solidFill>
+                <a:schemeClr val="tx1"/>
+              </a:solidFill>
+              <a:latin typeface="方正姚体" panose="02010601030101010101" pitchFamily="2" charset="-122"/>
+              <a:ea typeface="方正姚体" panose="02010601030101010101" pitchFamily="2" charset="-122"/>
+            </a:endParaRPr>
+          </a:p>
+          <a:p>
+            <a:pPr latinLnBrk="1">
+              <a:lnSpc>
+                <a:spcPct val="150000"/>
+              </a:lnSpc>
+            </a:pPr>
+            <a:r>
+              <a:rPr lang="zh-CN" altLang="en-US" sz="1400" b="1" dirty="0">
+                <a:solidFill>
+                  <a:schemeClr val="tx1"/>
+                </a:solidFill>
+                <a:latin typeface="方正姚体" panose="02010601030101010101" pitchFamily="2" charset="-122"/>
+                <a:ea typeface="方正姚体" panose="02010601030101010101" pitchFamily="2" charset="-122"/>
+              </a:rPr>
+              <a:t>关键技术</a:t>
+            </a:r>
+            <a:r>
+              <a:rPr lang="zh-CN" altLang="en-US" sz="1400" dirty="0">
+                <a:solidFill>
+                  <a:schemeClr val="tx1"/>
+                </a:solidFill>
+                <a:latin typeface="方正姚体" panose="02010601030101010101" pitchFamily="2" charset="-122"/>
+                <a:ea typeface="方正姚体" panose="02010601030101010101" pitchFamily="2" charset="-122"/>
+              </a:rPr>
+              <a:t>：</a:t>
+            </a:r>
+            <a:endParaRPr lang="zh-CN" altLang="en-US" sz="1400" dirty="0">
+              <a:solidFill>
+                <a:schemeClr val="tx1"/>
+              </a:solidFill>
+              <a:latin typeface="方正姚体" panose="02010601030101010101" pitchFamily="2" charset="-122"/>
+              <a:ea typeface="方正姚体" panose="02010601030101010101" pitchFamily="2" charset="-122"/>
+            </a:endParaRPr>
+          </a:p>
+          <a:p>
+            <a:pPr latinLnBrk="1">
+              <a:lnSpc>
+                <a:spcPct val="150000"/>
+              </a:lnSpc>
+            </a:pPr>
+            <a:r>
+              <a:rPr lang="zh-CN" altLang="en-US" sz="1400" dirty="0">
+                <a:solidFill>
+                  <a:schemeClr val="tx1"/>
+                </a:solidFill>
+                <a:latin typeface="方正姚体" panose="02010601030101010101" pitchFamily="2" charset="-122"/>
+                <a:ea typeface="方正姚体" panose="02010601030101010101" pitchFamily="2" charset="-122"/>
+              </a:rPr>
+              <a:t>         </a:t>
+            </a:r>
+            <a:r>
+              <a:rPr lang="en-US" altLang="zh-CN" sz="1400" dirty="0">
+                <a:solidFill>
+                  <a:schemeClr val="tx1"/>
+                </a:solidFill>
+                <a:latin typeface="方正姚体" panose="02010601030101010101" pitchFamily="2" charset="-122"/>
+                <a:ea typeface="方正姚体" panose="02010601030101010101" pitchFamily="2" charset="-122"/>
+              </a:rPr>
+              <a:t>Mysql</a:t>
+            </a:r>
+            <a:r>
+              <a:rPr lang="zh-CN" altLang="en-US" sz="1400" dirty="0">
+                <a:solidFill>
+                  <a:schemeClr val="tx1"/>
+                </a:solidFill>
+                <a:latin typeface="方正姚体" panose="02010601030101010101" pitchFamily="2" charset="-122"/>
+                <a:ea typeface="方正姚体" panose="02010601030101010101" pitchFamily="2" charset="-122"/>
+              </a:rPr>
+              <a:t>高可用 </a:t>
+            </a:r>
+            <a:r>
+              <a:rPr lang="en-US" altLang="zh-CN" sz="1400" dirty="0">
+                <a:solidFill>
+                  <a:schemeClr val="tx1"/>
+                </a:solidFill>
+                <a:latin typeface="方正姚体" panose="02010601030101010101" pitchFamily="2" charset="-122"/>
+                <a:ea typeface="方正姚体" panose="02010601030101010101" pitchFamily="2" charset="-122"/>
+              </a:rPr>
+              <a:t>+ Web</a:t>
+            </a:r>
+            <a:r>
+              <a:rPr lang="zh-CN" altLang="en-US" sz="1400" dirty="0">
+                <a:solidFill>
+                  <a:schemeClr val="tx1"/>
+                </a:solidFill>
+                <a:latin typeface="方正姚体" panose="02010601030101010101" pitchFamily="2" charset="-122"/>
+                <a:ea typeface="方正姚体" panose="02010601030101010101" pitchFamily="2" charset="-122"/>
+              </a:rPr>
+              <a:t>高可用个</a:t>
+            </a:r>
+            <a:endParaRPr lang="en-US" altLang="zh-CN" sz="1400" dirty="0" smtClean="0">
+              <a:solidFill>
+                <a:schemeClr val="tx1"/>
+              </a:solidFill>
+              <a:latin typeface="方正姚体" panose="02010601030101010101" pitchFamily="2" charset="-122"/>
+              <a:ea typeface="方正姚体" panose="02010601030101010101" pitchFamily="2" charset="-122"/>
+            </a:endParaRPr>
+          </a:p>
+          <a:p>
+            <a:pPr latinLnBrk="1">
+              <a:lnSpc>
+                <a:spcPct val="150000"/>
+              </a:lnSpc>
+            </a:pPr>
+            <a:endParaRPr lang="en-US" altLang="zh-CN" sz="1400" dirty="0" smtClean="0">
+              <a:solidFill>
+                <a:schemeClr val="tx1"/>
+              </a:solidFill>
+              <a:latin typeface="方正姚体" panose="02010601030101010101" pitchFamily="2" charset="-122"/>
+              <a:ea typeface="方正姚体" panose="02010601030101010101" pitchFamily="2" charset="-122"/>
+            </a:endParaRPr>
+          </a:p>
+          <a:p>
+            <a:pPr latinLnBrk="1">
+              <a:lnSpc>
+                <a:spcPct val="150000"/>
+              </a:lnSpc>
+            </a:pPr>
+            <a:endParaRPr lang="zh-CN" altLang="en-US" sz="1400" dirty="0">
+              <a:solidFill>
+                <a:schemeClr val="tx1"/>
+              </a:solidFill>
+              <a:latin typeface="方正姚体" panose="02010601030101010101" pitchFamily="2" charset="-122"/>
+              <a:ea typeface="方正姚体" panose="02010601030101010101" pitchFamily="2" charset="-122"/>
+            </a:endParaRPr>
+          </a:p>
+          <a:p>
+            <a:pPr latinLnBrk="1">
+              <a:lnSpc>
+                <a:spcPct val="150000"/>
+              </a:lnSpc>
+            </a:pPr>
+            <a:endParaRPr lang="en-US" altLang="zh-CN" sz="1400" dirty="0">
+              <a:solidFill>
+                <a:schemeClr val="tx1"/>
+              </a:solidFill>
+              <a:latin typeface="方正姚体" panose="02010601030101010101" pitchFamily="2" charset="-122"/>
+              <a:ea typeface="方正姚体" panose="02010601030101010101" pitchFamily="2" charset="-122"/>
+            </a:endParaRPr>
+          </a:p>
+        </p:txBody>
+      </p:sp>
+      <p:sp>
+        <p:nvSpPr>
+          <p:cNvPr id="30" name="矩形 29"/>
+          <p:cNvSpPr/>
+          <p:nvPr/>
+        </p:nvSpPr>
+        <p:spPr>
+          <a:xfrm>
+            <a:off x="180082" y="6219418"/>
+            <a:ext cx="1155725" cy="514070"/>
+          </a:xfrm>
+          <a:prstGeom prst="rect">
+            <a:avLst/>
+          </a:prstGeom>
+          <a:noFill/>
+          <a:ln>
+            <a:noFill/>
+          </a:ln>
+        </p:spPr>
+        <p:style>
+          <a:lnRef idx="2">
+            <a:schemeClr val="accent1">
+              <a:shade val="50000"/>
+            </a:schemeClr>
+          </a:lnRef>
+          <a:fillRef idx="1">
+            <a:schemeClr val="accent1"/>
+          </a:fillRef>
+          <a:effectRef idx="0">
+            <a:schemeClr val="accent1"/>
+          </a:effectRef>
+          <a:fontRef idx="minor">
+            <a:schemeClr val="lt1"/>
+          </a:fontRef>
+        </p:style>
+        <p:txBody>
+          <a:bodyPr rtlCol="0" anchor="ctr"/>
+          <a:lstStyle/>
+          <a:p>
+            <a:pPr algn="ctr"/>
+            <a:r>
+              <a:rPr lang="zh-CN" altLang="en-US" b="1" dirty="0" smtClean="0">
+                <a:solidFill>
+                  <a:schemeClr val="tx1"/>
+                </a:solidFill>
+                <a:latin typeface="方正姚体" panose="02010601030101010101" pitchFamily="2" charset="-122"/>
+                <a:ea typeface="方正姚体" panose="02010601030101010101" pitchFamily="2" charset="-122"/>
+              </a:rPr>
+              <a:t>项目经验</a:t>
+            </a:r>
+            <a:endParaRPr lang="zh-CN" altLang="en-US" b="1" dirty="0">
+              <a:solidFill>
+                <a:schemeClr val="tx1"/>
+              </a:solidFill>
+              <a:latin typeface="方正姚体" panose="02010601030101010101" pitchFamily="2" charset="-122"/>
+              <a:ea typeface="方正姚体" panose="02010601030101010101" pitchFamily="2" charset="-122"/>
+            </a:endParaRPr>
+          </a:p>
+        </p:txBody>
+      </p:sp>
       <p:grpSp>
         <p:nvGrpSpPr>
           <p:cNvPr id="2" name="组合 1"/>
@@ -6362,7 +7354,7 @@
         </p:nvGrpSpPr>
         <p:grpSpPr>
           <a:xfrm>
-            <a:off x="2" y="1"/>
+            <a:off x="2" y="158751"/>
             <a:ext cx="9001125" cy="12601575"/>
             <a:chOff x="2" y="1"/>
             <a:chExt cx="9001125" cy="12601575"/>
@@ -6605,14 +7597,14 @@
             <p:cNvPr id="75" name="直接连接符 74"/>
             <p:cNvCxnSpPr>
               <a:stCxn id="73" idx="4"/>
-              <a:endCxn id="86" idx="0"/>
+              <a:endCxn id="4" idx="0"/>
             </p:cNvCxnSpPr>
             <p:nvPr/>
           </p:nvCxnSpPr>
           <p:spPr>
             <a:xfrm>
-              <a:off x="1656246" y="1836291"/>
-              <a:ext cx="0" cy="1656184"/>
+              <a:off x="1656715" y="1836420"/>
+              <a:ext cx="0" cy="2226945"/>
             </a:xfrm>
             <a:prstGeom prst="line">
               <a:avLst/>
@@ -6644,14 +7636,13 @@
             <p:cNvPr id="76" name="直接连接符 75"/>
             <p:cNvCxnSpPr>
               <a:stCxn id="86" idx="4"/>
-              <a:endCxn id="77" idx="0"/>
             </p:cNvCxnSpPr>
             <p:nvPr/>
           </p:nvCxnSpPr>
           <p:spPr>
-            <a:xfrm>
-              <a:off x="1656246" y="4140547"/>
-              <a:ext cx="3597" cy="5976664"/>
+            <a:xfrm flipH="1">
+              <a:off x="1660525" y="6767830"/>
+              <a:ext cx="635" cy="3493135"/>
             </a:xfrm>
             <a:prstGeom prst="line">
               <a:avLst/>
@@ -6819,7 +7810,7 @@
           </p:nvCxnSpPr>
           <p:spPr>
             <a:xfrm>
-              <a:off x="2124299" y="3842500"/>
+              <a:off x="2124299" y="6465685"/>
               <a:ext cx="6189091" cy="0"/>
             </a:xfrm>
             <a:prstGeom prst="line">
@@ -6857,7 +7848,7 @@
           </p:nvSpPr>
           <p:spPr>
             <a:xfrm rot="16200000" flipH="1">
-              <a:off x="1523537" y="2126626"/>
+              <a:off x="1523537" y="4853316"/>
               <a:ext cx="242016" cy="185425"/>
             </a:xfrm>
             <a:prstGeom prst="flowChartMerge">
@@ -6913,7 +7904,7 @@
           </p:nvSpPr>
           <p:spPr>
             <a:xfrm>
-              <a:off x="1332210" y="3492475"/>
+              <a:off x="1336655" y="6119470"/>
               <a:ext cx="648072" cy="648072"/>
             </a:xfrm>
             <a:prstGeom prst="donut">
@@ -6970,7 +7961,7 @@
           </p:nvSpPr>
           <p:spPr>
             <a:xfrm>
-              <a:off x="144017" y="1970293"/>
+              <a:off x="144017" y="4696983"/>
               <a:ext cx="1476227" cy="514070"/>
             </a:xfrm>
             <a:prstGeom prst="rect">
@@ -7375,14 +8366,580 @@
       </p:grpSp>
       <p:sp>
         <p:nvSpPr>
-          <p:cNvPr id="31" name="矩形 30"/>
+          <p:cNvPr id="4" name="同心圆 3"/>
           <p:cNvSpPr/>
           <p:nvPr/>
         </p:nvSpPr>
         <p:spPr>
           <a:xfrm>
-            <a:off x="1984785" y="1620268"/>
-            <a:ext cx="6675814" cy="2016224"/>
+            <a:off x="1332210" y="4207644"/>
+            <a:ext cx="648072" cy="648072"/>
+          </a:xfrm>
+          <a:prstGeom prst="donut">
+            <a:avLst>
+              <a:gd name="adj" fmla="val 19503"/>
+            </a:avLst>
+          </a:prstGeom>
+          <a:solidFill>
+            <a:schemeClr val="bg1"/>
+          </a:solidFill>
+          <a:ln w="38100">
+            <a:solidFill>
+              <a:schemeClr val="tx1">
+                <a:lumMod val="50000"/>
+                <a:lumOff val="50000"/>
+              </a:schemeClr>
+            </a:solidFill>
+          </a:ln>
+        </p:spPr>
+        <p:style>
+          <a:lnRef idx="2">
+            <a:schemeClr val="accent1">
+              <a:shade val="50000"/>
+            </a:schemeClr>
+          </a:lnRef>
+          <a:fillRef idx="1">
+            <a:schemeClr val="accent1"/>
+          </a:fillRef>
+          <a:effectRef idx="0">
+            <a:schemeClr val="accent1"/>
+          </a:effectRef>
+          <a:fontRef idx="minor">
+            <a:schemeClr val="lt1"/>
+          </a:fontRef>
+        </p:style>
+        <p:txBody>
+          <a:bodyPr rtlCol="0" anchor="ctr"/>
+          <a:p>
+            <a:pPr algn="ctr"/>
+            <a:endParaRPr lang="zh-CN" altLang="en-US">
+              <a:solidFill>
+                <a:schemeClr val="tx1"/>
+              </a:solidFill>
+            </a:endParaRPr>
+          </a:p>
+        </p:txBody>
+      </p:sp>
+      <p:cxnSp>
+        <p:nvCxnSpPr>
+          <p:cNvPr id="27" name="直接连接符 26"/>
+          <p:cNvCxnSpPr/>
+          <p:nvPr/>
+        </p:nvCxnSpPr>
+        <p:spPr>
+          <a:xfrm>
+            <a:off x="1657985" y="4855845"/>
+            <a:ext cx="0" cy="1367790"/>
+          </a:xfrm>
+          <a:prstGeom prst="line">
+            <a:avLst/>
+          </a:prstGeom>
+          <a:ln w="28575">
+            <a:solidFill>
+              <a:schemeClr val="tx1"/>
+            </a:solidFill>
+            <a:prstDash val="dash"/>
+          </a:ln>
+        </p:spPr>
+        <p:style>
+          <a:lnRef idx="1">
+            <a:schemeClr val="accent1"/>
+          </a:lnRef>
+          <a:fillRef idx="0">
+            <a:schemeClr val="accent1"/>
+          </a:fillRef>
+          <a:effectRef idx="0">
+            <a:schemeClr val="accent1"/>
+          </a:effectRef>
+          <a:fontRef idx="minor">
+            <a:schemeClr val="tx1"/>
+          </a:fontRef>
+        </p:style>
+      </p:cxnSp>
+      <p:cxnSp>
+        <p:nvCxnSpPr>
+          <p:cNvPr id="28" name="直接连接符 27"/>
+          <p:cNvCxnSpPr/>
+          <p:nvPr/>
+        </p:nvCxnSpPr>
+        <p:spPr>
+          <a:xfrm>
+            <a:off x="2107790" y="4505711"/>
+            <a:ext cx="6189091" cy="0"/>
+          </a:xfrm>
+          <a:prstGeom prst="line">
+            <a:avLst/>
+          </a:prstGeom>
+          <a:ln w="38100">
+            <a:solidFill>
+              <a:schemeClr val="tx1">
+                <a:lumMod val="50000"/>
+                <a:lumOff val="50000"/>
+              </a:schemeClr>
+            </a:solidFill>
+          </a:ln>
+        </p:spPr>
+        <p:style>
+          <a:lnRef idx="1">
+            <a:schemeClr val="accent1"/>
+          </a:lnRef>
+          <a:fillRef idx="0">
+            <a:schemeClr val="accent1"/>
+          </a:fillRef>
+          <a:effectRef idx="0">
+            <a:schemeClr val="accent1"/>
+          </a:effectRef>
+          <a:fontRef idx="minor">
+            <a:schemeClr val="tx1"/>
+          </a:fontRef>
+        </p:style>
+      </p:cxnSp>
+      <p:sp>
+        <p:nvSpPr>
+          <p:cNvPr id="61" name="矩形 60"/>
+          <p:cNvSpPr/>
+          <p:nvPr/>
+        </p:nvSpPr>
+        <p:spPr>
+          <a:xfrm>
+            <a:off x="1944280" y="1716310"/>
+            <a:ext cx="6675814" cy="3024334"/>
+          </a:xfrm>
+          <a:prstGeom prst="rect">
+            <a:avLst/>
+          </a:prstGeom>
+          <a:noFill/>
+          <a:ln>
+            <a:noFill/>
+          </a:ln>
+        </p:spPr>
+        <p:style>
+          <a:lnRef idx="2">
+            <a:schemeClr val="accent1">
+              <a:shade val="50000"/>
+            </a:schemeClr>
+          </a:lnRef>
+          <a:fillRef idx="1">
+            <a:schemeClr val="accent1"/>
+          </a:fillRef>
+          <a:effectRef idx="0">
+            <a:schemeClr val="accent1"/>
+          </a:effectRef>
+          <a:fontRef idx="minor">
+            <a:schemeClr val="lt1"/>
+          </a:fontRef>
+        </p:style>
+        <p:txBody>
+          <a:bodyPr rtlCol="0" anchor="t"/>
+          <a:p>
+            <a:pPr latinLnBrk="1">
+              <a:lnSpc>
+                <a:spcPct val="150000"/>
+              </a:lnSpc>
+            </a:pPr>
+            <a:r>
+              <a:rPr lang="zh-CN" altLang="en-US" sz="1400" b="1" dirty="0" smtClean="0">
+                <a:solidFill>
+                  <a:schemeClr val="tx1"/>
+                </a:solidFill>
+                <a:latin typeface="方正姚体" panose="02010601030101010101" pitchFamily="2" charset="-122"/>
+                <a:ea typeface="方正姚体" panose="02010601030101010101" pitchFamily="2" charset="-122"/>
+              </a:rPr>
+              <a:t>工作单位：顺丰速运（沈阳）有限公司        工作岗位：</a:t>
+            </a:r>
+            <a:r>
+              <a:rPr lang="en-US" altLang="zh-CN" sz="1400" b="1" dirty="0">
+                <a:solidFill>
+                  <a:schemeClr val="tx1"/>
+                </a:solidFill>
+                <a:latin typeface="方正姚体" panose="02010601030101010101" pitchFamily="2" charset="-122"/>
+                <a:ea typeface="方正姚体" panose="02010601030101010101" pitchFamily="2" charset="-122"/>
+              </a:rPr>
+              <a:t>IT</a:t>
+            </a:r>
+            <a:r>
+              <a:rPr lang="zh-CN" altLang="en-US" sz="1400" b="1" dirty="0">
+                <a:solidFill>
+                  <a:schemeClr val="tx1"/>
+                </a:solidFill>
+                <a:latin typeface="方正姚体" panose="02010601030101010101" pitchFamily="2" charset="-122"/>
+                <a:ea typeface="方正姚体" panose="02010601030101010101" pitchFamily="2" charset="-122"/>
+              </a:rPr>
+              <a:t>科技运维初级</a:t>
+            </a:r>
+            <a:r>
+              <a:rPr lang="zh-CN" altLang="en-US" sz="1400" b="1" dirty="0" smtClean="0">
+                <a:solidFill>
+                  <a:schemeClr val="tx1"/>
+                </a:solidFill>
+                <a:latin typeface="方正姚体" panose="02010601030101010101" pitchFamily="2" charset="-122"/>
+                <a:ea typeface="方正姚体" panose="02010601030101010101" pitchFamily="2" charset="-122"/>
+              </a:rPr>
+              <a:t>专员</a:t>
+            </a:r>
+            <a:endParaRPr lang="en-US" altLang="zh-CN" sz="1400" b="1" dirty="0" smtClean="0">
+              <a:solidFill>
+                <a:schemeClr val="tx1"/>
+              </a:solidFill>
+              <a:latin typeface="方正姚体" panose="02010601030101010101" pitchFamily="2" charset="-122"/>
+              <a:ea typeface="方正姚体" panose="02010601030101010101" pitchFamily="2" charset="-122"/>
+            </a:endParaRPr>
+          </a:p>
+          <a:p>
+            <a:pPr latinLnBrk="1">
+              <a:lnSpc>
+                <a:spcPct val="150000"/>
+              </a:lnSpc>
+            </a:pPr>
+            <a:r>
+              <a:rPr lang="zh-CN" altLang="en-US" sz="1400" b="1" dirty="0" smtClean="0">
+                <a:solidFill>
+                  <a:schemeClr val="tx1"/>
+                </a:solidFill>
+                <a:latin typeface="方正姚体" panose="02010601030101010101" pitchFamily="2" charset="-122"/>
+                <a:ea typeface="方正姚体" panose="02010601030101010101" pitchFamily="2" charset="-122"/>
+              </a:rPr>
+              <a:t>工作年限：两年</a:t>
+            </a:r>
+            <a:endParaRPr lang="en-US" altLang="zh-CN" sz="1400" b="1" dirty="0" smtClean="0">
+              <a:solidFill>
+                <a:schemeClr val="tx1"/>
+              </a:solidFill>
+              <a:latin typeface="方正姚体" panose="02010601030101010101" pitchFamily="2" charset="-122"/>
+              <a:ea typeface="方正姚体" panose="02010601030101010101" pitchFamily="2" charset="-122"/>
+            </a:endParaRPr>
+          </a:p>
+          <a:p>
+            <a:pPr latinLnBrk="1">
+              <a:lnSpc>
+                <a:spcPct val="150000"/>
+              </a:lnSpc>
+            </a:pPr>
+            <a:endParaRPr lang="en-US" altLang="zh-CN" sz="1400" b="1" dirty="0" smtClean="0">
+              <a:solidFill>
+                <a:schemeClr val="tx1"/>
+              </a:solidFill>
+              <a:latin typeface="方正姚体" panose="02010601030101010101" pitchFamily="2" charset="-122"/>
+              <a:ea typeface="方正姚体" panose="02010601030101010101" pitchFamily="2" charset="-122"/>
+            </a:endParaRPr>
+          </a:p>
+          <a:p>
+            <a:pPr latinLnBrk="1">
+              <a:lnSpc>
+                <a:spcPct val="150000"/>
+              </a:lnSpc>
+            </a:pPr>
+            <a:r>
+              <a:rPr lang="zh-CN" altLang="en-US" sz="1400" b="1" dirty="0" smtClean="0">
+                <a:solidFill>
+                  <a:schemeClr val="tx1"/>
+                </a:solidFill>
+                <a:latin typeface="方正姚体" panose="02010601030101010101" pitchFamily="2" charset="-122"/>
+                <a:ea typeface="方正姚体" panose="02010601030101010101" pitchFamily="2" charset="-122"/>
+              </a:rPr>
+              <a:t>主要工作职责</a:t>
+            </a:r>
+            <a:r>
+              <a:rPr lang="zh-CN" altLang="zh-CN" sz="1400" dirty="0" smtClean="0">
+                <a:solidFill>
+                  <a:schemeClr val="tx1"/>
+                </a:solidFill>
+                <a:latin typeface="方正姚体" panose="02010601030101010101" pitchFamily="2" charset="-122"/>
+                <a:ea typeface="方正姚体" panose="02010601030101010101" pitchFamily="2" charset="-122"/>
+              </a:rPr>
+              <a:t>：</a:t>
+            </a:r>
+            <a:br>
+              <a:rPr lang="en-US" altLang="zh-CN" sz="1400" dirty="0">
+                <a:solidFill>
+                  <a:schemeClr val="tx1"/>
+                </a:solidFill>
+                <a:latin typeface="方正姚体" panose="02010601030101010101" pitchFamily="2" charset="-122"/>
+                <a:ea typeface="方正姚体" panose="02010601030101010101" pitchFamily="2" charset="-122"/>
+              </a:rPr>
+            </a:br>
+            <a:r>
+              <a:rPr lang="en-US" altLang="zh-CN" sz="1400" dirty="0" smtClean="0">
+                <a:solidFill>
+                  <a:schemeClr val="tx1"/>
+                </a:solidFill>
+                <a:latin typeface="方正姚体" panose="02010601030101010101" pitchFamily="2" charset="-122"/>
+                <a:ea typeface="方正姚体" panose="02010601030101010101" pitchFamily="2" charset="-122"/>
+              </a:rPr>
+              <a:t>1</a:t>
+            </a:r>
+            <a:r>
+              <a:rPr lang="zh-CN" altLang="en-US" sz="1400" dirty="0" smtClean="0">
+                <a:solidFill>
+                  <a:schemeClr val="tx1"/>
+                </a:solidFill>
+                <a:latin typeface="方正姚体" panose="02010601030101010101" pitchFamily="2" charset="-122"/>
+                <a:ea typeface="方正姚体" panose="02010601030101010101" pitchFamily="2" charset="-122"/>
+              </a:rPr>
+              <a:t>、负责</a:t>
+            </a:r>
+            <a:r>
+              <a:rPr lang="zh-CN" altLang="en-US" sz="1400" dirty="0">
+                <a:solidFill>
+                  <a:schemeClr val="tx1"/>
+                </a:solidFill>
+                <a:latin typeface="方正姚体" panose="02010601030101010101" pitchFamily="2" charset="-122"/>
+                <a:ea typeface="方正姚体" panose="02010601030101010101" pitchFamily="2" charset="-122"/>
+              </a:rPr>
+              <a:t>办公</a:t>
+            </a:r>
+            <a:r>
+              <a:rPr lang="zh-CN" altLang="en-US" sz="1400" dirty="0" smtClean="0">
+                <a:solidFill>
+                  <a:schemeClr val="tx1"/>
+                </a:solidFill>
+                <a:latin typeface="方正姚体" panose="02010601030101010101" pitchFamily="2" charset="-122"/>
+                <a:ea typeface="方正姚体" panose="02010601030101010101" pitchFamily="2" charset="-122"/>
+              </a:rPr>
+              <a:t>系统与软件</a:t>
+            </a:r>
+            <a:r>
+              <a:rPr lang="zh-CN" altLang="en-US" sz="1400" dirty="0">
+                <a:solidFill>
+                  <a:schemeClr val="tx1"/>
+                </a:solidFill>
+                <a:latin typeface="方正姚体" panose="02010601030101010101" pitchFamily="2" charset="-122"/>
+                <a:ea typeface="方正姚体" panose="02010601030101010101" pitchFamily="2" charset="-122"/>
+              </a:rPr>
+              <a:t>系统的配置、安装管理与维护工作；</a:t>
+            </a:r>
+            <a:endParaRPr lang="zh-CN" altLang="en-US" sz="1400" dirty="0">
+              <a:solidFill>
+                <a:schemeClr val="tx1"/>
+              </a:solidFill>
+              <a:latin typeface="方正姚体" panose="02010601030101010101" pitchFamily="2" charset="-122"/>
+              <a:ea typeface="方正姚体" panose="02010601030101010101" pitchFamily="2" charset="-122"/>
+            </a:endParaRPr>
+          </a:p>
+          <a:p>
+            <a:pPr latinLnBrk="1">
+              <a:lnSpc>
+                <a:spcPct val="150000"/>
+              </a:lnSpc>
+            </a:pPr>
+            <a:r>
+              <a:rPr lang="en-US" altLang="zh-CN" sz="1400" dirty="0" smtClean="0">
+                <a:solidFill>
+                  <a:schemeClr val="tx1"/>
+                </a:solidFill>
+                <a:latin typeface="方正姚体" panose="02010601030101010101" pitchFamily="2" charset="-122"/>
+                <a:ea typeface="方正姚体" panose="02010601030101010101" pitchFamily="2" charset="-122"/>
+              </a:rPr>
+              <a:t>2</a:t>
+            </a:r>
+            <a:r>
+              <a:rPr lang="zh-CN" altLang="en-US" sz="1400" dirty="0" smtClean="0">
+                <a:solidFill>
+                  <a:schemeClr val="tx1"/>
+                </a:solidFill>
+                <a:latin typeface="方正姚体" panose="02010601030101010101" pitchFamily="2" charset="-122"/>
+                <a:ea typeface="方正姚体" panose="02010601030101010101" pitchFamily="2" charset="-122"/>
+              </a:rPr>
+              <a:t>、半自动化</a:t>
+            </a:r>
+            <a:r>
+              <a:rPr lang="zh-CN" altLang="en-US" sz="1400" dirty="0">
+                <a:solidFill>
+                  <a:schemeClr val="tx1"/>
+                </a:solidFill>
+                <a:latin typeface="方正姚体" panose="02010601030101010101" pitchFamily="2" charset="-122"/>
+                <a:ea typeface="方正姚体" panose="02010601030101010101" pitchFamily="2" charset="-122"/>
+              </a:rPr>
+              <a:t>分拣、</a:t>
+            </a:r>
+            <a:r>
+              <a:rPr lang="zh-CN" altLang="en-US" sz="1400">
+                <a:solidFill>
+                  <a:schemeClr val="tx1"/>
+                </a:solidFill>
+                <a:latin typeface="方正姚体" panose="02010601030101010101" pitchFamily="2" charset="-122"/>
+                <a:ea typeface="方正姚体" panose="02010601030101010101" pitchFamily="2" charset="-122"/>
+              </a:rPr>
+              <a:t>大</a:t>
+            </a:r>
+            <a:r>
+              <a:rPr lang="zh-CN" altLang="en-US" sz="1400" smtClean="0">
+                <a:solidFill>
+                  <a:schemeClr val="tx1"/>
+                </a:solidFill>
+                <a:latin typeface="方正姚体" panose="02010601030101010101" pitchFamily="2" charset="-122"/>
+                <a:ea typeface="方正姚体" panose="02010601030101010101" pitchFamily="2" charset="-122"/>
+              </a:rPr>
+              <a:t>客户系统</a:t>
+            </a:r>
+            <a:r>
+              <a:rPr lang="zh-CN" altLang="en-US" sz="1400" dirty="0">
+                <a:solidFill>
+                  <a:schemeClr val="tx1"/>
+                </a:solidFill>
+                <a:latin typeface="方正姚体" panose="02010601030101010101" pitchFamily="2" charset="-122"/>
+                <a:ea typeface="方正姚体" panose="02010601030101010101" pitchFamily="2" charset="-122"/>
+              </a:rPr>
+              <a:t>搭建、系统与硬件故障维修；</a:t>
+            </a:r>
+            <a:endParaRPr lang="zh-CN" altLang="en-US" sz="1400" dirty="0">
+              <a:solidFill>
+                <a:schemeClr val="tx1"/>
+              </a:solidFill>
+              <a:latin typeface="方正姚体" panose="02010601030101010101" pitchFamily="2" charset="-122"/>
+              <a:ea typeface="方正姚体" panose="02010601030101010101" pitchFamily="2" charset="-122"/>
+            </a:endParaRPr>
+          </a:p>
+          <a:p>
+            <a:pPr latinLnBrk="1">
+              <a:lnSpc>
+                <a:spcPct val="150000"/>
+              </a:lnSpc>
+            </a:pPr>
+            <a:r>
+              <a:rPr lang="en-US" altLang="zh-CN" sz="1400" dirty="0" smtClean="0">
+                <a:solidFill>
+                  <a:schemeClr val="tx1"/>
+                </a:solidFill>
+                <a:latin typeface="方正姚体" panose="02010601030101010101" pitchFamily="2" charset="-122"/>
+                <a:ea typeface="方正姚体" panose="02010601030101010101" pitchFamily="2" charset="-122"/>
+              </a:rPr>
+              <a:t>3</a:t>
+            </a:r>
+            <a:r>
+              <a:rPr lang="zh-CN" altLang="en-US" sz="1400" dirty="0" smtClean="0">
+                <a:solidFill>
+                  <a:schemeClr val="tx1"/>
+                </a:solidFill>
+                <a:latin typeface="方正姚体" panose="02010601030101010101" pitchFamily="2" charset="-122"/>
+                <a:ea typeface="方正姚体" panose="02010601030101010101" pitchFamily="2" charset="-122"/>
+              </a:rPr>
+              <a:t>、</a:t>
+            </a:r>
+            <a:r>
+              <a:rPr lang="en-US" altLang="zh-CN" sz="1400" dirty="0" smtClean="0">
+                <a:solidFill>
+                  <a:schemeClr val="tx1"/>
+                </a:solidFill>
+                <a:latin typeface="方正姚体" panose="02010601030101010101" pitchFamily="2" charset="-122"/>
+                <a:ea typeface="方正姚体" panose="02010601030101010101" pitchFamily="2" charset="-122"/>
+              </a:rPr>
+              <a:t>Web</a:t>
+            </a:r>
+            <a:r>
+              <a:rPr lang="zh-CN" altLang="en-US" sz="1400" dirty="0">
+                <a:solidFill>
+                  <a:schemeClr val="tx1"/>
+                </a:solidFill>
+                <a:latin typeface="方正姚体" panose="02010601030101010101" pitchFamily="2" charset="-122"/>
+                <a:ea typeface="方正姚体" panose="02010601030101010101" pitchFamily="2" charset="-122"/>
+              </a:rPr>
+              <a:t>网站更新、</a:t>
+            </a:r>
+            <a:r>
+              <a:rPr lang="en-US" altLang="zh-CN" sz="1400" dirty="0">
+                <a:solidFill>
+                  <a:schemeClr val="tx1"/>
+                </a:solidFill>
+                <a:latin typeface="方正姚体" panose="02010601030101010101" pitchFamily="2" charset="-122"/>
+                <a:ea typeface="方正姚体" panose="02010601030101010101" pitchFamily="2" charset="-122"/>
+              </a:rPr>
+              <a:t>App</a:t>
+            </a:r>
+            <a:r>
+              <a:rPr lang="zh-CN" altLang="en-US" sz="1400" dirty="0">
+                <a:solidFill>
+                  <a:schemeClr val="tx1"/>
+                </a:solidFill>
+                <a:latin typeface="方正姚体" panose="02010601030101010101" pitchFamily="2" charset="-122"/>
+                <a:ea typeface="方正姚体" panose="02010601030101010101" pitchFamily="2" charset="-122"/>
+              </a:rPr>
+              <a:t>应用升级、分捡系统数据库维护更新；</a:t>
+            </a:r>
+            <a:endParaRPr lang="zh-CN" altLang="en-US" sz="1400" dirty="0">
+              <a:solidFill>
+                <a:schemeClr val="tx1"/>
+              </a:solidFill>
+              <a:latin typeface="方正姚体" panose="02010601030101010101" pitchFamily="2" charset="-122"/>
+              <a:ea typeface="方正姚体" panose="02010601030101010101" pitchFamily="2" charset="-122"/>
+            </a:endParaRPr>
+          </a:p>
+          <a:p>
+            <a:pPr latinLnBrk="1">
+              <a:lnSpc>
+                <a:spcPct val="150000"/>
+              </a:lnSpc>
+            </a:pPr>
+            <a:r>
+              <a:rPr lang="en-US" altLang="zh-CN" sz="1400" dirty="0" smtClean="0">
+                <a:solidFill>
+                  <a:schemeClr val="tx1"/>
+                </a:solidFill>
+                <a:latin typeface="方正姚体" panose="02010601030101010101" pitchFamily="2" charset="-122"/>
+                <a:ea typeface="方正姚体" panose="02010601030101010101" pitchFamily="2" charset="-122"/>
+              </a:rPr>
+              <a:t>4</a:t>
+            </a:r>
+            <a:r>
+              <a:rPr lang="zh-CN" altLang="en-US" sz="1400" dirty="0" smtClean="0">
+                <a:solidFill>
+                  <a:schemeClr val="tx1"/>
+                </a:solidFill>
+                <a:latin typeface="方正姚体" panose="02010601030101010101" pitchFamily="2" charset="-122"/>
+                <a:ea typeface="方正姚体" panose="02010601030101010101" pitchFamily="2" charset="-122"/>
+              </a:rPr>
+              <a:t>、用</a:t>
+            </a:r>
+            <a:r>
+              <a:rPr lang="en-US" altLang="zh-CN" sz="1400" dirty="0" err="1">
+                <a:solidFill>
+                  <a:schemeClr val="tx1"/>
+                </a:solidFill>
+                <a:latin typeface="方正姚体" panose="02010601030101010101" pitchFamily="2" charset="-122"/>
+                <a:ea typeface="方正姚体" panose="02010601030101010101" pitchFamily="2" charset="-122"/>
+              </a:rPr>
+              <a:t>zabbix</a:t>
+            </a:r>
+            <a:r>
+              <a:rPr lang="zh-CN" altLang="en-US" sz="1400" dirty="0">
+                <a:solidFill>
+                  <a:schemeClr val="tx1"/>
+                </a:solidFill>
+                <a:latin typeface="方正姚体" panose="02010601030101010101" pitchFamily="2" charset="-122"/>
+                <a:ea typeface="方正姚体" panose="02010601030101010101" pitchFamily="2" charset="-122"/>
+              </a:rPr>
+              <a:t>对硬件运行环境进行监控、并对数据进行分析，系统故障排</a:t>
+            </a:r>
+            <a:r>
+              <a:rPr lang="zh-CN" altLang="en-US" sz="1400" dirty="0" smtClean="0">
+                <a:solidFill>
+                  <a:schemeClr val="tx1"/>
+                </a:solidFill>
+                <a:latin typeface="方正姚体" panose="02010601030101010101" pitchFamily="2" charset="-122"/>
+                <a:ea typeface="方正姚体" panose="02010601030101010101" pitchFamily="2" charset="-122"/>
+              </a:rPr>
+              <a:t>查。</a:t>
+            </a:r>
+            <a:endParaRPr lang="zh-CN" altLang="en-US" sz="1400" dirty="0">
+              <a:solidFill>
+                <a:schemeClr val="tx1"/>
+              </a:solidFill>
+              <a:latin typeface="方正姚体" panose="02010601030101010101" pitchFamily="2" charset="-122"/>
+              <a:ea typeface="方正姚体" panose="02010601030101010101" pitchFamily="2" charset="-122"/>
+            </a:endParaRPr>
+          </a:p>
+        </p:txBody>
+      </p:sp>
+      <p:sp>
+        <p:nvSpPr>
+          <p:cNvPr id="29" name="矩形 28"/>
+          <p:cNvSpPr/>
+          <p:nvPr/>
+        </p:nvSpPr>
+        <p:spPr>
+          <a:xfrm>
+            <a:off x="144017" y="2059351"/>
+            <a:ext cx="1476227" cy="514070"/>
           </a:xfrm>
           <a:prstGeom prst="rect">
             <a:avLst/>
@@ -7410,258 +8967,17 @@
         </p:style>
         <p:txBody>
           <a:bodyPr rtlCol="0" anchor="ctr"/>
-          <a:lstStyle/>
-          <a:p>
-            <a:pPr latinLnBrk="1">
-              <a:lnSpc>
-                <a:spcPct val="150000"/>
-              </a:lnSpc>
-            </a:pPr>
-            <a:r>
-              <a:rPr lang="zh-CN" altLang="en-US" sz="1400" b="1" dirty="0" smtClean="0">
-                <a:solidFill>
-                  <a:schemeClr val="tx1"/>
-                </a:solidFill>
-                <a:latin typeface="方正姚体" panose="02010601030101010101" pitchFamily="2" charset="-122"/>
-                <a:ea typeface="方正姚体" panose="02010601030101010101" pitchFamily="2" charset="-122"/>
-              </a:rPr>
-              <a:t>工作单位</a:t>
-            </a:r>
-            <a:r>
-              <a:rPr lang="zh-CN" altLang="en-US" sz="1400" b="1" dirty="0">
-                <a:solidFill>
-                  <a:schemeClr val="tx1"/>
-                </a:solidFill>
-                <a:latin typeface="方正姚体" panose="02010601030101010101" pitchFamily="2" charset="-122"/>
-                <a:ea typeface="方正姚体" panose="02010601030101010101" pitchFamily="2" charset="-122"/>
-              </a:rPr>
-              <a:t>：顺丰仓配分公司</a:t>
-            </a:r>
-            <a:r>
-              <a:rPr lang="zh-CN" altLang="en-US" sz="1400" b="1" dirty="0" smtClean="0">
-                <a:solidFill>
-                  <a:schemeClr val="tx1"/>
-                </a:solidFill>
-                <a:latin typeface="方正姚体" panose="02010601030101010101" pitchFamily="2" charset="-122"/>
-                <a:ea typeface="方正姚体" panose="02010601030101010101" pitchFamily="2" charset="-122"/>
-              </a:rPr>
-              <a:t>沈阳有限公司          工作岗位：质量管理中级专员</a:t>
-            </a:r>
-            <a:endParaRPr lang="en-US" altLang="zh-CN" sz="1400" b="1" dirty="0" smtClean="0">
-              <a:solidFill>
-                <a:schemeClr val="tx1"/>
-              </a:solidFill>
-              <a:latin typeface="方正姚体" panose="02010601030101010101" pitchFamily="2" charset="-122"/>
-              <a:ea typeface="方正姚体" panose="02010601030101010101" pitchFamily="2" charset="-122"/>
-            </a:endParaRPr>
-          </a:p>
-          <a:p>
-            <a:pPr latinLnBrk="1">
-              <a:lnSpc>
-                <a:spcPct val="150000"/>
-              </a:lnSpc>
-            </a:pPr>
-            <a:r>
-              <a:rPr lang="zh-CN" altLang="en-US" sz="1400" b="1" dirty="0" smtClean="0">
-                <a:solidFill>
-                  <a:schemeClr val="tx1"/>
-                </a:solidFill>
-                <a:latin typeface="方正姚体" panose="02010601030101010101" pitchFamily="2" charset="-122"/>
-                <a:ea typeface="方正姚体" panose="02010601030101010101" pitchFamily="2" charset="-122"/>
-              </a:rPr>
-              <a:t>工作年限：</a:t>
-            </a:r>
-            <a:r>
-              <a:rPr lang="en-US" altLang="zh-CN" sz="1400" b="1" dirty="0" smtClean="0">
-                <a:solidFill>
-                  <a:schemeClr val="tx1"/>
-                </a:solidFill>
-                <a:latin typeface="方正姚体" panose="02010601030101010101" pitchFamily="2" charset="-122"/>
-                <a:ea typeface="方正姚体" panose="02010601030101010101" pitchFamily="2" charset="-122"/>
-              </a:rPr>
-              <a:t>2</a:t>
-            </a:r>
-            <a:r>
-              <a:rPr lang="zh-CN" altLang="en-US" sz="1400" b="1" dirty="0" smtClean="0">
-                <a:solidFill>
-                  <a:schemeClr val="tx1"/>
-                </a:solidFill>
-                <a:latin typeface="方正姚体" panose="02010601030101010101" pitchFamily="2" charset="-122"/>
-                <a:ea typeface="方正姚体" panose="02010601030101010101" pitchFamily="2" charset="-122"/>
-              </a:rPr>
-              <a:t>年零</a:t>
-            </a:r>
-            <a:r>
-              <a:rPr lang="en-US" altLang="zh-CN" sz="1400" b="1" dirty="0" smtClean="0">
-                <a:solidFill>
-                  <a:schemeClr val="tx1"/>
-                </a:solidFill>
-                <a:latin typeface="方正姚体" panose="02010601030101010101" pitchFamily="2" charset="-122"/>
-                <a:ea typeface="方正姚体" panose="02010601030101010101" pitchFamily="2" charset="-122"/>
-              </a:rPr>
-              <a:t>10</a:t>
-            </a:r>
-            <a:r>
-              <a:rPr lang="zh-CN" altLang="en-US" sz="1400" b="1" dirty="0" smtClean="0">
-                <a:solidFill>
-                  <a:schemeClr val="tx1"/>
-                </a:solidFill>
-                <a:latin typeface="方正姚体" panose="02010601030101010101" pitchFamily="2" charset="-122"/>
-                <a:ea typeface="方正姚体" panose="02010601030101010101" pitchFamily="2" charset="-122"/>
-              </a:rPr>
-              <a:t>个月</a:t>
-            </a:r>
-            <a:endParaRPr lang="en-US" altLang="zh-CN" sz="1400" b="1" dirty="0">
-              <a:solidFill>
-                <a:schemeClr val="tx1"/>
-              </a:solidFill>
-              <a:latin typeface="方正姚体" panose="02010601030101010101" pitchFamily="2" charset="-122"/>
-              <a:ea typeface="方正姚体" panose="02010601030101010101" pitchFamily="2" charset="-122"/>
-            </a:endParaRPr>
-          </a:p>
-          <a:p>
-            <a:pPr latinLnBrk="1">
-              <a:lnSpc>
-                <a:spcPct val="150000"/>
-              </a:lnSpc>
-            </a:pPr>
-            <a:endParaRPr lang="en-US" altLang="zh-CN" sz="1400" b="1" dirty="0" smtClean="0">
-              <a:solidFill>
-                <a:schemeClr val="tx1"/>
-              </a:solidFill>
-              <a:latin typeface="方正姚体" panose="02010601030101010101" pitchFamily="2" charset="-122"/>
-              <a:ea typeface="方正姚体" panose="02010601030101010101" pitchFamily="2" charset="-122"/>
-            </a:endParaRPr>
-          </a:p>
-          <a:p>
-            <a:pPr latinLnBrk="1">
-              <a:lnSpc>
-                <a:spcPct val="150000"/>
-              </a:lnSpc>
-            </a:pPr>
-            <a:r>
-              <a:rPr lang="zh-CN" altLang="en-US" sz="1400" b="1" dirty="0" smtClean="0">
-                <a:solidFill>
-                  <a:schemeClr val="tx1"/>
-                </a:solidFill>
-                <a:latin typeface="方正姚体" panose="02010601030101010101" pitchFamily="2" charset="-122"/>
-                <a:ea typeface="方正姚体" panose="02010601030101010101" pitchFamily="2" charset="-122"/>
-              </a:rPr>
-              <a:t>主要工作职责</a:t>
-            </a:r>
-            <a:r>
-              <a:rPr lang="zh-CN" altLang="zh-CN" sz="1400" b="1" dirty="0" smtClean="0">
-                <a:solidFill>
-                  <a:schemeClr val="tx1"/>
-                </a:solidFill>
-                <a:latin typeface="方正姚体" panose="02010601030101010101" pitchFamily="2" charset="-122"/>
-                <a:ea typeface="方正姚体" panose="02010601030101010101" pitchFamily="2" charset="-122"/>
-              </a:rPr>
-              <a:t>：</a:t>
-            </a:r>
-            <a:endParaRPr lang="zh-CN" altLang="zh-CN" sz="1400" dirty="0">
-              <a:solidFill>
-                <a:schemeClr val="tx1"/>
-              </a:solidFill>
-              <a:latin typeface="方正姚体" panose="02010601030101010101" pitchFamily="2" charset="-122"/>
-              <a:ea typeface="方正姚体" panose="02010601030101010101" pitchFamily="2" charset="-122"/>
-            </a:endParaRPr>
-          </a:p>
-          <a:p>
-            <a:pPr>
-              <a:lnSpc>
-                <a:spcPct val="150000"/>
-              </a:lnSpc>
-            </a:pPr>
-            <a:r>
-              <a:rPr lang="zh-CN" altLang="en-US" sz="1400" dirty="0" smtClean="0">
-                <a:solidFill>
-                  <a:schemeClr val="tx1"/>
-                </a:solidFill>
-                <a:latin typeface="方正姚体" panose="02010601030101010101" pitchFamily="2" charset="-122"/>
-                <a:ea typeface="方正姚体" panose="02010601030101010101" pitchFamily="2" charset="-122"/>
-              </a:rPr>
-              <a:t>快件</a:t>
-            </a:r>
-            <a:r>
-              <a:rPr lang="zh-CN" altLang="en-US" sz="1400" dirty="0">
-                <a:solidFill>
-                  <a:schemeClr val="tx1"/>
-                </a:solidFill>
-                <a:latin typeface="方正姚体" panose="02010601030101010101" pitchFamily="2" charset="-122"/>
-                <a:ea typeface="方正姚体" panose="02010601030101010101" pitchFamily="2" charset="-122"/>
-              </a:rPr>
-              <a:t>时效</a:t>
-            </a:r>
-            <a:r>
-              <a:rPr lang="zh-CN" altLang="en-US" sz="1400" dirty="0" smtClean="0">
-                <a:solidFill>
-                  <a:schemeClr val="tx1"/>
-                </a:solidFill>
-                <a:latin typeface="方正姚体" panose="02010601030101010101" pitchFamily="2" charset="-122"/>
-                <a:ea typeface="方正姚体" panose="02010601030101010101" pitchFamily="2" charset="-122"/>
-              </a:rPr>
-              <a:t>管理</a:t>
-            </a:r>
-            <a:r>
-              <a:rPr lang="zh-CN" altLang="en-US" sz="1400" dirty="0">
-                <a:solidFill>
-                  <a:schemeClr val="tx1"/>
-                </a:solidFill>
-                <a:latin typeface="方正姚体" panose="02010601030101010101" pitchFamily="2" charset="-122"/>
-                <a:ea typeface="方正姚体" panose="02010601030101010101" pitchFamily="2" charset="-122"/>
-              </a:rPr>
-              <a:t>，</a:t>
-            </a:r>
-            <a:r>
-              <a:rPr lang="zh-CN" altLang="en-US" sz="1400" dirty="0" smtClean="0">
-                <a:solidFill>
-                  <a:schemeClr val="tx1"/>
-                </a:solidFill>
-                <a:latin typeface="方正姚体" panose="02010601030101010101" pitchFamily="2" charset="-122"/>
-                <a:ea typeface="方正姚体" panose="02010601030101010101" pitchFamily="2" charset="-122"/>
-              </a:rPr>
-              <a:t>包括</a:t>
-            </a:r>
-            <a:r>
-              <a:rPr lang="zh-CN" altLang="en-US" sz="1400" dirty="0">
-                <a:solidFill>
-                  <a:schemeClr val="tx1"/>
-                </a:solidFill>
-                <a:latin typeface="方正姚体" panose="02010601030101010101" pitchFamily="2" charset="-122"/>
-                <a:ea typeface="方正姚体" panose="02010601030101010101" pitchFamily="2" charset="-122"/>
-              </a:rPr>
-              <a:t>上门收件与派</a:t>
-            </a:r>
-            <a:r>
-              <a:rPr lang="zh-CN" altLang="en-US" sz="1400" dirty="0" smtClean="0">
-                <a:solidFill>
-                  <a:schemeClr val="tx1"/>
-                </a:solidFill>
-                <a:latin typeface="方正姚体" panose="02010601030101010101" pitchFamily="2" charset="-122"/>
-                <a:ea typeface="方正姚体" panose="02010601030101010101" pitchFamily="2" charset="-122"/>
-              </a:rPr>
-              <a:t>件、中转、客户投诉等</a:t>
-            </a:r>
-            <a:r>
-              <a:rPr lang="zh-CN" altLang="en-US" sz="1400" dirty="0">
-                <a:solidFill>
-                  <a:schemeClr val="tx1"/>
-                </a:solidFill>
-                <a:latin typeface="方正姚体" panose="02010601030101010101" pitchFamily="2" charset="-122"/>
-                <a:ea typeface="方正姚体" panose="02010601030101010101" pitchFamily="2" charset="-122"/>
-              </a:rPr>
-              <a:t>时效类管理</a:t>
-            </a:r>
-            <a:r>
-              <a:rPr lang="zh-CN" altLang="en-US" sz="1400" dirty="0" smtClean="0">
-                <a:solidFill>
-                  <a:schemeClr val="tx1"/>
-                </a:solidFill>
-                <a:latin typeface="方正姚体" panose="02010601030101010101" pitchFamily="2" charset="-122"/>
-                <a:ea typeface="方正姚体" panose="02010601030101010101" pitchFamily="2" charset="-122"/>
-              </a:rPr>
-              <a:t>。</a:t>
+          <a:p>
+            <a:pPr algn="ctr"/>
+            <a:r>
+              <a:rPr lang="en-US" altLang="zh-CN" sz="1400" dirty="0" smtClean="0">
+                <a:solidFill>
+                  <a:schemeClr val="tx1"/>
+                </a:solidFill>
+                <a:latin typeface="方正姚体" panose="02010601030101010101" pitchFamily="2" charset="-122"/>
+                <a:ea typeface="方正姚体" panose="02010601030101010101" pitchFamily="2" charset="-122"/>
+              </a:rPr>
+              <a:t>2016.5-2018.5</a:t>
             </a:r>
             <a:endParaRPr lang="zh-CN" altLang="en-US" sz="1400" dirty="0">
               <a:solidFill>
@@ -7675,984 +8991,46 @@
       </p:sp>
       <p:sp>
         <p:nvSpPr>
-          <p:cNvPr id="32" name="矩形 31"/>
+          <p:cNvPr id="33" name="流程图: 合并 32"/>
           <p:cNvSpPr/>
           <p:nvPr/>
         </p:nvSpPr>
         <p:spPr>
-          <a:xfrm>
-            <a:off x="1980280" y="3976502"/>
-            <a:ext cx="6675814" cy="6366748"/>
+          <a:xfrm rot="16200000" flipH="1">
+            <a:off x="1540047" y="2223781"/>
+            <a:ext cx="242016" cy="185425"/>
           </a:xfrm>
-          <a:prstGeom prst="rect">
+          <a:prstGeom prst="flowChartMerge">
             <a:avLst/>
           </a:prstGeom>
-          <a:noFill/>
-          <a:ln>
-            <a:noFill/>
-          </a:ln>
+          <a:effectLst>
+            <a:outerShdw blurRad="40000" dist="23000" dir="5400000" rotWithShape="0">
+              <a:srgbClr val="000000">
+                <a:alpha val="35000"/>
+              </a:srgbClr>
+            </a:outerShdw>
+          </a:effectLst>
+          <a:scene3d>
+            <a:camera prst="orthographicFront">
+              <a:rot lat="0" lon="0" rev="0"/>
+            </a:camera>
+            <a:lightRig rig="threePt" dir="t">
+              <a:rot lat="0" lon="0" rev="1200000"/>
+            </a:lightRig>
+          </a:scene3d>
+          <a:sp3d>
+            <a:bevelT prst="slope"/>
+          </a:sp3d>
         </p:spPr>
         <p:style>
-          <a:lnRef idx="2">
-            <a:schemeClr val="accent1">
-              <a:shade val="50000"/>
-            </a:schemeClr>
+          <a:lnRef idx="0">
+            <a:schemeClr val="dk1"/>
           </a:lnRef>
-          <a:fillRef idx="1">
-            <a:schemeClr val="accent1"/>
+          <a:fillRef idx="3">
+            <a:schemeClr val="dk1"/>
           </a:fillRef>
-          <a:effectRef idx="0">
-            <a:schemeClr val="accent1"/>
-          </a:effectRef>
-          <a:fontRef idx="minor">
-            <a:schemeClr val="lt1"/>
-          </a:fontRef>
-        </p:style>
-        <p:txBody>
-          <a:bodyPr rtlCol="0" anchor="t"/>
-          <a:lstStyle/>
-          <a:p>
-            <a:pPr latinLnBrk="1">
-              <a:lnSpc>
-                <a:spcPct val="150000"/>
-              </a:lnSpc>
-            </a:pPr>
-            <a:r>
-              <a:rPr lang="zh-CN" altLang="en-US" sz="1600" b="1" dirty="0" smtClean="0">
-                <a:solidFill>
-                  <a:schemeClr val="tx1"/>
-                </a:solidFill>
-                <a:latin typeface="方正姚体" panose="02010601030101010101" pitchFamily="2" charset="-122"/>
-                <a:ea typeface="方正姚体" panose="02010601030101010101" pitchFamily="2" charset="-122"/>
-              </a:rPr>
-              <a:t>（一）</a:t>
-            </a:r>
-            <a:r>
-              <a:rPr lang="zh-CN" altLang="en-US" sz="1400" b="1" dirty="0" smtClean="0">
-                <a:solidFill>
-                  <a:schemeClr val="tx1"/>
-                </a:solidFill>
-                <a:latin typeface="方正姚体" panose="02010601030101010101" pitchFamily="2" charset="-122"/>
-                <a:ea typeface="方正姚体" panose="02010601030101010101" pitchFamily="2" charset="-122"/>
-              </a:rPr>
-              <a:t>项目名称</a:t>
-            </a:r>
-            <a:r>
-              <a:rPr lang="zh-CN" altLang="en-US" sz="1400" dirty="0">
-                <a:solidFill>
-                  <a:schemeClr val="tx1"/>
-                </a:solidFill>
-                <a:latin typeface="方正姚体" panose="02010601030101010101" pitchFamily="2" charset="-122"/>
-                <a:ea typeface="方正姚体" panose="02010601030101010101" pitchFamily="2" charset="-122"/>
-              </a:rPr>
-              <a:t>：冷运分公司监控管理系统搭建</a:t>
-            </a:r>
-            <a:endParaRPr lang="zh-CN" altLang="en-US" sz="1400" dirty="0">
-              <a:solidFill>
-                <a:schemeClr val="tx1"/>
-              </a:solidFill>
-              <a:latin typeface="方正姚体" panose="02010601030101010101" pitchFamily="2" charset="-122"/>
-              <a:ea typeface="方正姚体" panose="02010601030101010101" pitchFamily="2" charset="-122"/>
-            </a:endParaRPr>
-          </a:p>
-          <a:p>
-            <a:pPr latinLnBrk="1">
-              <a:lnSpc>
-                <a:spcPct val="150000"/>
-              </a:lnSpc>
-            </a:pPr>
-            <a:r>
-              <a:rPr lang="zh-CN" altLang="en-US" sz="1400" b="1" dirty="0" smtClean="0">
-                <a:solidFill>
-                  <a:schemeClr val="tx1"/>
-                </a:solidFill>
-                <a:latin typeface="方正姚体" panose="02010601030101010101" pitchFamily="2" charset="-122"/>
-                <a:ea typeface="方正姚体" panose="02010601030101010101" pitchFamily="2" charset="-122"/>
-              </a:rPr>
-              <a:t>运行环境</a:t>
-            </a:r>
-            <a:r>
-              <a:rPr lang="zh-CN" altLang="en-US" sz="1400" dirty="0">
-                <a:solidFill>
-                  <a:schemeClr val="tx1"/>
-                </a:solidFill>
-                <a:latin typeface="方正姚体" panose="02010601030101010101" pitchFamily="2" charset="-122"/>
-                <a:ea typeface="方正姚体" panose="02010601030101010101" pitchFamily="2" charset="-122"/>
-              </a:rPr>
-              <a:t>：</a:t>
-            </a:r>
-            <a:r>
-              <a:rPr lang="en-US" altLang="zh-CN" sz="1400" dirty="0">
-                <a:solidFill>
-                  <a:schemeClr val="tx1"/>
-                </a:solidFill>
-                <a:latin typeface="方正姚体" panose="02010601030101010101" pitchFamily="2" charset="-122"/>
-                <a:ea typeface="方正姚体" panose="02010601030101010101" pitchFamily="2" charset="-122"/>
-              </a:rPr>
-              <a:t>Centos 6.8 </a:t>
-            </a:r>
-            <a:endParaRPr lang="en-US" altLang="zh-CN" sz="1400" dirty="0">
-              <a:solidFill>
-                <a:schemeClr val="tx1"/>
-              </a:solidFill>
-              <a:latin typeface="方正姚体" panose="02010601030101010101" pitchFamily="2" charset="-122"/>
-              <a:ea typeface="方正姚体" panose="02010601030101010101" pitchFamily="2" charset="-122"/>
-            </a:endParaRPr>
-          </a:p>
-          <a:p>
-            <a:pPr latinLnBrk="1">
-              <a:lnSpc>
-                <a:spcPct val="150000"/>
-              </a:lnSpc>
-            </a:pPr>
-            <a:r>
-              <a:rPr lang="zh-CN" altLang="en-US" sz="1400" b="1" dirty="0" smtClean="0">
-                <a:solidFill>
-                  <a:schemeClr val="tx1"/>
-                </a:solidFill>
-                <a:latin typeface="方正姚体" panose="02010601030101010101" pitchFamily="2" charset="-122"/>
-                <a:ea typeface="方正姚体" panose="02010601030101010101" pitchFamily="2" charset="-122"/>
-              </a:rPr>
-              <a:t>硬件</a:t>
-            </a:r>
-            <a:r>
-              <a:rPr lang="zh-CN" altLang="en-US" sz="1400" b="1" dirty="0">
-                <a:solidFill>
-                  <a:schemeClr val="tx1"/>
-                </a:solidFill>
-                <a:latin typeface="方正姚体" panose="02010601030101010101" pitchFamily="2" charset="-122"/>
-                <a:ea typeface="方正姚体" panose="02010601030101010101" pitchFamily="2" charset="-122"/>
-              </a:rPr>
-              <a:t>环境</a:t>
-            </a:r>
-            <a:r>
-              <a:rPr lang="zh-CN" altLang="en-US" sz="1400" dirty="0">
-                <a:solidFill>
-                  <a:schemeClr val="tx1"/>
-                </a:solidFill>
-                <a:latin typeface="方正姚体" panose="02010601030101010101" pitchFamily="2" charset="-122"/>
-                <a:ea typeface="方正姚体" panose="02010601030101010101" pitchFamily="2" charset="-122"/>
-              </a:rPr>
-              <a:t>：</a:t>
-            </a:r>
-            <a:r>
-              <a:rPr lang="en-US" altLang="zh-CN" sz="1400" dirty="0">
-                <a:solidFill>
-                  <a:schemeClr val="tx1"/>
-                </a:solidFill>
-                <a:latin typeface="方正姚体" panose="02010601030101010101" pitchFamily="2" charset="-122"/>
-                <a:ea typeface="方正姚体" panose="02010601030101010101" pitchFamily="2" charset="-122"/>
-              </a:rPr>
-              <a:t>Dell PowerEdge R710 </a:t>
-            </a:r>
-            <a:endParaRPr lang="en-US" altLang="zh-CN" sz="1400" dirty="0">
-              <a:solidFill>
-                <a:schemeClr val="tx1"/>
-              </a:solidFill>
-              <a:latin typeface="方正姚体" panose="02010601030101010101" pitchFamily="2" charset="-122"/>
-              <a:ea typeface="方正姚体" panose="02010601030101010101" pitchFamily="2" charset="-122"/>
-            </a:endParaRPr>
-          </a:p>
-          <a:p>
-            <a:pPr latinLnBrk="1">
-              <a:lnSpc>
-                <a:spcPct val="150000"/>
-              </a:lnSpc>
-            </a:pPr>
-            <a:r>
-              <a:rPr lang="zh-CN" altLang="en-US" sz="1400" b="1" dirty="0" smtClean="0">
-                <a:solidFill>
-                  <a:schemeClr val="tx1"/>
-                </a:solidFill>
-                <a:latin typeface="方正姚体" panose="02010601030101010101" pitchFamily="2" charset="-122"/>
-                <a:ea typeface="方正姚体" panose="02010601030101010101" pitchFamily="2" charset="-122"/>
-              </a:rPr>
-              <a:t>责任</a:t>
-            </a:r>
-            <a:r>
-              <a:rPr lang="zh-CN" altLang="en-US" sz="1400" b="1" dirty="0">
-                <a:solidFill>
-                  <a:schemeClr val="tx1"/>
-                </a:solidFill>
-                <a:latin typeface="方正姚体" panose="02010601030101010101" pitchFamily="2" charset="-122"/>
-                <a:ea typeface="方正姚体" panose="02010601030101010101" pitchFamily="2" charset="-122"/>
-              </a:rPr>
-              <a:t>描述</a:t>
-            </a:r>
-            <a:r>
-              <a:rPr lang="zh-CN" altLang="en-US" sz="1400" dirty="0">
-                <a:solidFill>
-                  <a:schemeClr val="tx1"/>
-                </a:solidFill>
-                <a:latin typeface="方正姚体" panose="02010601030101010101" pitchFamily="2" charset="-122"/>
-                <a:ea typeface="方正姚体" panose="02010601030101010101" pitchFamily="2" charset="-122"/>
-              </a:rPr>
-              <a:t>：</a:t>
-            </a:r>
-            <a:r>
-              <a:rPr lang="en-US" altLang="zh-CN" sz="1400" dirty="0">
-                <a:solidFill>
-                  <a:schemeClr val="tx1"/>
-                </a:solidFill>
-                <a:latin typeface="方正姚体" panose="02010601030101010101" pitchFamily="2" charset="-122"/>
-                <a:ea typeface="方正姚体" panose="02010601030101010101" pitchFamily="2" charset="-122"/>
-              </a:rPr>
-              <a:t>Web</a:t>
-            </a:r>
-            <a:r>
-              <a:rPr lang="zh-CN" altLang="en-US" sz="1400" dirty="0">
-                <a:solidFill>
-                  <a:schemeClr val="tx1"/>
-                </a:solidFill>
-                <a:latin typeface="方正姚体" panose="02010601030101010101" pitchFamily="2" charset="-122"/>
-                <a:ea typeface="方正姚体" panose="02010601030101010101" pitchFamily="2" charset="-122"/>
-              </a:rPr>
-              <a:t>高可用环境</a:t>
-            </a:r>
-            <a:r>
-              <a:rPr lang="zh-CN" altLang="en-US" sz="1400" dirty="0" smtClean="0">
-                <a:solidFill>
-                  <a:schemeClr val="tx1"/>
-                </a:solidFill>
-                <a:latin typeface="方正姚体" panose="02010601030101010101" pitchFamily="2" charset="-122"/>
-                <a:ea typeface="方正姚体" panose="02010601030101010101" pitchFamily="2" charset="-122"/>
-              </a:rPr>
-              <a:t>搭建</a:t>
-            </a:r>
-            <a:endParaRPr lang="zh-CN" altLang="en-US" sz="1400" dirty="0">
-              <a:solidFill>
-                <a:schemeClr val="tx1"/>
-              </a:solidFill>
-              <a:latin typeface="方正姚体" panose="02010601030101010101" pitchFamily="2" charset="-122"/>
-              <a:ea typeface="方正姚体" panose="02010601030101010101" pitchFamily="2" charset="-122"/>
-            </a:endParaRPr>
-          </a:p>
-          <a:p>
-            <a:pPr latinLnBrk="1">
-              <a:lnSpc>
-                <a:spcPct val="150000"/>
-              </a:lnSpc>
-            </a:pPr>
-            <a:r>
-              <a:rPr lang="zh-CN" altLang="en-US" sz="1400" b="1" dirty="0" smtClean="0">
-                <a:solidFill>
-                  <a:schemeClr val="tx1"/>
-                </a:solidFill>
-                <a:latin typeface="方正姚体" panose="02010601030101010101" pitchFamily="2" charset="-122"/>
-                <a:ea typeface="方正姚体" panose="02010601030101010101" pitchFamily="2" charset="-122"/>
-              </a:rPr>
-              <a:t>项目</a:t>
-            </a:r>
-            <a:r>
-              <a:rPr lang="zh-CN" altLang="en-US" sz="1400" b="1" dirty="0">
-                <a:solidFill>
-                  <a:schemeClr val="tx1"/>
-                </a:solidFill>
-                <a:latin typeface="方正姚体" panose="02010601030101010101" pitchFamily="2" charset="-122"/>
-                <a:ea typeface="方正姚体" panose="02010601030101010101" pitchFamily="2" charset="-122"/>
-              </a:rPr>
-              <a:t>简介</a:t>
-            </a:r>
-            <a:r>
-              <a:rPr lang="zh-CN" altLang="en-US" sz="1400" dirty="0">
-                <a:solidFill>
-                  <a:schemeClr val="tx1"/>
-                </a:solidFill>
-                <a:latin typeface="方正姚体" panose="02010601030101010101" pitchFamily="2" charset="-122"/>
-                <a:ea typeface="方正姚体" panose="02010601030101010101" pitchFamily="2" charset="-122"/>
-              </a:rPr>
-              <a:t>：</a:t>
-            </a:r>
-            <a:endParaRPr lang="zh-CN" altLang="en-US" sz="1400" dirty="0">
-              <a:solidFill>
-                <a:schemeClr val="tx1"/>
-              </a:solidFill>
-              <a:latin typeface="方正姚体" panose="02010601030101010101" pitchFamily="2" charset="-122"/>
-              <a:ea typeface="方正姚体" panose="02010601030101010101" pitchFamily="2" charset="-122"/>
-            </a:endParaRPr>
-          </a:p>
-          <a:p>
-            <a:pPr latinLnBrk="1">
-              <a:lnSpc>
-                <a:spcPct val="150000"/>
-              </a:lnSpc>
-            </a:pPr>
-            <a:r>
-              <a:rPr lang="zh-CN" altLang="en-US" sz="1400" dirty="0">
-                <a:solidFill>
-                  <a:schemeClr val="tx1"/>
-                </a:solidFill>
-                <a:latin typeface="方正姚体" panose="02010601030101010101" pitchFamily="2" charset="-122"/>
-                <a:ea typeface="方正姚体" panose="02010601030101010101" pitchFamily="2" charset="-122"/>
-              </a:rPr>
-              <a:t>        </a:t>
-            </a:r>
-            <a:r>
-              <a:rPr lang="zh-CN" altLang="en-US" sz="1400" dirty="0" smtClean="0">
-                <a:solidFill>
-                  <a:schemeClr val="tx1"/>
-                </a:solidFill>
-                <a:latin typeface="方正姚体" panose="02010601030101010101" pitchFamily="2" charset="-122"/>
-                <a:ea typeface="方正姚体" panose="02010601030101010101" pitchFamily="2" charset="-122"/>
-              </a:rPr>
-              <a:t>冷运</a:t>
-            </a:r>
-            <a:r>
-              <a:rPr lang="zh-CN" altLang="en-US" sz="1400" dirty="0">
-                <a:solidFill>
-                  <a:schemeClr val="tx1"/>
-                </a:solidFill>
-                <a:latin typeface="方正姚体" panose="02010601030101010101" pitchFamily="2" charset="-122"/>
-                <a:ea typeface="方正姚体" panose="02010601030101010101" pitchFamily="2" charset="-122"/>
-              </a:rPr>
-              <a:t>分公司营运需求，需搭建高可用、负载均衡的 </a:t>
-            </a:r>
-            <a:r>
-              <a:rPr lang="en-US" altLang="zh-CN" sz="1400" dirty="0">
-                <a:solidFill>
-                  <a:schemeClr val="tx1"/>
-                </a:solidFill>
-                <a:latin typeface="方正姚体" panose="02010601030101010101" pitchFamily="2" charset="-122"/>
-                <a:ea typeface="方正姚体" panose="02010601030101010101" pitchFamily="2" charset="-122"/>
-              </a:rPr>
-              <a:t>web </a:t>
-            </a:r>
-            <a:r>
-              <a:rPr lang="zh-CN" altLang="en-US" sz="1400" dirty="0" smtClean="0">
-                <a:solidFill>
-                  <a:schemeClr val="tx1"/>
-                </a:solidFill>
-                <a:latin typeface="方正姚体" panose="02010601030101010101" pitchFamily="2" charset="-122"/>
-                <a:ea typeface="方正姚体" panose="02010601030101010101" pitchFamily="2" charset="-122"/>
-              </a:rPr>
-              <a:t>集群。</a:t>
-            </a:r>
-            <a:endParaRPr lang="en-US" altLang="zh-CN" sz="1400" dirty="0" smtClean="0">
-              <a:solidFill>
-                <a:schemeClr val="tx1"/>
-              </a:solidFill>
-              <a:latin typeface="方正姚体" panose="02010601030101010101" pitchFamily="2" charset="-122"/>
-              <a:ea typeface="方正姚体" panose="02010601030101010101" pitchFamily="2" charset="-122"/>
-            </a:endParaRPr>
-          </a:p>
-          <a:p>
-            <a:pPr latinLnBrk="1">
-              <a:lnSpc>
-                <a:spcPct val="150000"/>
-              </a:lnSpc>
-            </a:pPr>
-            <a:r>
-              <a:rPr lang="en-US" altLang="zh-CN" sz="1400" dirty="0">
-                <a:solidFill>
-                  <a:schemeClr val="tx1"/>
-                </a:solidFill>
-                <a:latin typeface="方正姚体" panose="02010601030101010101" pitchFamily="2" charset="-122"/>
-                <a:ea typeface="方正姚体" panose="02010601030101010101" pitchFamily="2" charset="-122"/>
-              </a:rPr>
-              <a:t> </a:t>
-            </a:r>
-            <a:r>
-              <a:rPr lang="en-US" altLang="zh-CN" sz="1400" dirty="0" smtClean="0">
-                <a:solidFill>
-                  <a:schemeClr val="tx1"/>
-                </a:solidFill>
-                <a:latin typeface="方正姚体" panose="02010601030101010101" pitchFamily="2" charset="-122"/>
-                <a:ea typeface="方正姚体" panose="02010601030101010101" pitchFamily="2" charset="-122"/>
-              </a:rPr>
-              <a:t>       </a:t>
-            </a:r>
-            <a:r>
-              <a:rPr lang="zh-CN" altLang="en-US" sz="1400" dirty="0" smtClean="0">
-                <a:solidFill>
-                  <a:schemeClr val="tx1"/>
-                </a:solidFill>
-                <a:latin typeface="方正姚体" panose="02010601030101010101" pitchFamily="2" charset="-122"/>
-                <a:ea typeface="方正姚体" panose="02010601030101010101" pitchFamily="2" charset="-122"/>
-              </a:rPr>
-              <a:t>前端</a:t>
-            </a:r>
-            <a:r>
-              <a:rPr lang="zh-CN" altLang="en-US" sz="1400" dirty="0">
-                <a:solidFill>
-                  <a:schemeClr val="tx1"/>
-                </a:solidFill>
-                <a:latin typeface="方正姚体" panose="02010601030101010101" pitchFamily="2" charset="-122"/>
-                <a:ea typeface="方正姚体" panose="02010601030101010101" pitchFamily="2" charset="-122"/>
-              </a:rPr>
-              <a:t>采用</a:t>
-            </a:r>
-            <a:r>
-              <a:rPr lang="en-US" altLang="zh-CN" sz="1400" dirty="0">
-                <a:solidFill>
-                  <a:schemeClr val="tx1"/>
-                </a:solidFill>
-                <a:latin typeface="方正姚体" panose="02010601030101010101" pitchFamily="2" charset="-122"/>
-                <a:ea typeface="方正姚体" panose="02010601030101010101" pitchFamily="2" charset="-122"/>
-              </a:rPr>
-              <a:t>4</a:t>
-            </a:r>
-            <a:r>
-              <a:rPr lang="zh-CN" altLang="en-US" sz="1400" dirty="0">
-                <a:solidFill>
-                  <a:schemeClr val="tx1"/>
-                </a:solidFill>
-                <a:latin typeface="方正姚体" panose="02010601030101010101" pitchFamily="2" charset="-122"/>
-                <a:ea typeface="方正姚体" panose="02010601030101010101" pitchFamily="2" charset="-122"/>
-              </a:rPr>
-              <a:t>太服务器实现高可用、负载均衡的</a:t>
-            </a:r>
-            <a:r>
-              <a:rPr lang="en-US" altLang="zh-CN" sz="1400" dirty="0">
-                <a:solidFill>
-                  <a:schemeClr val="tx1"/>
-                </a:solidFill>
-                <a:latin typeface="方正姚体" panose="02010601030101010101" pitchFamily="2" charset="-122"/>
-                <a:ea typeface="方正姚体" panose="02010601030101010101" pitchFamily="2" charset="-122"/>
-              </a:rPr>
-              <a:t>web</a:t>
-            </a:r>
-            <a:r>
-              <a:rPr lang="zh-CN" altLang="en-US" sz="1400" dirty="0">
-                <a:solidFill>
-                  <a:schemeClr val="tx1"/>
-                </a:solidFill>
-                <a:latin typeface="方正姚体" panose="02010601030101010101" pitchFamily="2" charset="-122"/>
-                <a:ea typeface="方正姚体" panose="02010601030101010101" pitchFamily="2" charset="-122"/>
-              </a:rPr>
-              <a:t>集群，后端采用</a:t>
-            </a:r>
-            <a:r>
-              <a:rPr lang="en-US" altLang="zh-CN" sz="1400" dirty="0" err="1">
-                <a:solidFill>
-                  <a:schemeClr val="tx1"/>
-                </a:solidFill>
-                <a:latin typeface="方正姚体" panose="02010601030101010101" pitchFamily="2" charset="-122"/>
-                <a:ea typeface="方正姚体" panose="02010601030101010101" pitchFamily="2" charset="-122"/>
-              </a:rPr>
-              <a:t>mysql</a:t>
-            </a:r>
-            <a:r>
-              <a:rPr lang="zh-CN" altLang="en-US" sz="1400" dirty="0">
-                <a:solidFill>
-                  <a:schemeClr val="tx1"/>
-                </a:solidFill>
-                <a:latin typeface="方正姚体" panose="02010601030101010101" pitchFamily="2" charset="-122"/>
-                <a:ea typeface="方正姚体" panose="02010601030101010101" pitchFamily="2" charset="-122"/>
-              </a:rPr>
-              <a:t>主从以及</a:t>
-            </a:r>
-            <a:r>
-              <a:rPr lang="en-US" altLang="zh-CN" sz="1400" dirty="0">
-                <a:solidFill>
-                  <a:schemeClr val="tx1"/>
-                </a:solidFill>
-                <a:latin typeface="方正姚体" panose="02010601030101010101" pitchFamily="2" charset="-122"/>
-                <a:ea typeface="方正姚体" panose="02010601030101010101" pitchFamily="2" charset="-122"/>
-              </a:rPr>
-              <a:t>GPS</a:t>
-            </a:r>
-            <a:r>
-              <a:rPr lang="zh-CN" altLang="en-US" sz="1400" dirty="0" smtClean="0">
-                <a:solidFill>
-                  <a:schemeClr val="tx1"/>
-                </a:solidFill>
-                <a:latin typeface="方正姚体" panose="02010601030101010101" pitchFamily="2" charset="-122"/>
-                <a:ea typeface="方正姚体" panose="02010601030101010101" pitchFamily="2" charset="-122"/>
-              </a:rPr>
-              <a:t>服务器</a:t>
-            </a:r>
-            <a:r>
-              <a:rPr lang="zh-CN" altLang="en-US" sz="1400" dirty="0">
-                <a:solidFill>
-                  <a:schemeClr val="tx1"/>
-                </a:solidFill>
-                <a:latin typeface="方正姚体" panose="02010601030101010101" pitchFamily="2" charset="-122"/>
-                <a:ea typeface="方正姚体" panose="02010601030101010101" pitchFamily="2" charset="-122"/>
-              </a:rPr>
-              <a:t>实时</a:t>
-            </a:r>
-            <a:r>
-              <a:rPr lang="zh-CN" altLang="en-US" sz="1400" dirty="0" smtClean="0">
-                <a:solidFill>
-                  <a:schemeClr val="tx1"/>
-                </a:solidFill>
-                <a:latin typeface="方正姚体" panose="02010601030101010101" pitchFamily="2" charset="-122"/>
-                <a:ea typeface="方正姚体" panose="02010601030101010101" pitchFamily="2" charset="-122"/>
-              </a:rPr>
-              <a:t>上</a:t>
-            </a:r>
-            <a:r>
-              <a:rPr lang="zh-CN" altLang="en-US" sz="1400" dirty="0">
-                <a:solidFill>
-                  <a:schemeClr val="tx1"/>
-                </a:solidFill>
-                <a:latin typeface="方正姚体" panose="02010601030101010101" pitchFamily="2" charset="-122"/>
-                <a:ea typeface="方正姚体" panose="02010601030101010101" pitchFamily="2" charset="-122"/>
-              </a:rPr>
-              <a:t>传</a:t>
-            </a:r>
-            <a:r>
-              <a:rPr lang="zh-CN" altLang="en-US" sz="1400" dirty="0" smtClean="0">
-                <a:solidFill>
-                  <a:schemeClr val="tx1"/>
-                </a:solidFill>
-                <a:latin typeface="方正姚体" panose="02010601030101010101" pitchFamily="2" charset="-122"/>
-                <a:ea typeface="方正姚体" panose="02010601030101010101" pitchFamily="2" charset="-122"/>
-              </a:rPr>
-              <a:t>数据，从而</a:t>
-            </a:r>
-            <a:r>
-              <a:rPr lang="zh-CN" altLang="en-US" sz="1400" dirty="0">
-                <a:solidFill>
-                  <a:schemeClr val="tx1"/>
-                </a:solidFill>
-                <a:latin typeface="方正姚体" panose="02010601030101010101" pitchFamily="2" charset="-122"/>
-                <a:ea typeface="方正姚体" panose="02010601030101010101" pitchFamily="2" charset="-122"/>
-              </a:rPr>
-              <a:t>实现冷运分公司 7*27小时营运监控。</a:t>
-            </a:r>
-            <a:endParaRPr lang="zh-CN" altLang="en-US" sz="1400" dirty="0">
-              <a:solidFill>
-                <a:schemeClr val="tx1"/>
-              </a:solidFill>
-              <a:latin typeface="方正姚体" panose="02010601030101010101" pitchFamily="2" charset="-122"/>
-              <a:ea typeface="方正姚体" panose="02010601030101010101" pitchFamily="2" charset="-122"/>
-            </a:endParaRPr>
-          </a:p>
-          <a:p>
-            <a:pPr latinLnBrk="1">
-              <a:lnSpc>
-                <a:spcPct val="150000"/>
-              </a:lnSpc>
-            </a:pPr>
-            <a:r>
-              <a:rPr lang="zh-CN" altLang="en-US" sz="1400" b="1" dirty="0">
-                <a:solidFill>
-                  <a:schemeClr val="tx1"/>
-                </a:solidFill>
-                <a:latin typeface="方正姚体" panose="02010601030101010101" pitchFamily="2" charset="-122"/>
-                <a:ea typeface="方正姚体" panose="02010601030101010101" pitchFamily="2" charset="-122"/>
-              </a:rPr>
-              <a:t>关键技术</a:t>
-            </a:r>
-            <a:r>
-              <a:rPr lang="zh-CN" altLang="en-US" sz="1400" dirty="0">
-                <a:solidFill>
-                  <a:schemeClr val="tx1"/>
-                </a:solidFill>
-                <a:latin typeface="方正姚体" panose="02010601030101010101" pitchFamily="2" charset="-122"/>
-                <a:ea typeface="方正姚体" panose="02010601030101010101" pitchFamily="2" charset="-122"/>
-              </a:rPr>
-              <a:t>：</a:t>
-            </a:r>
-            <a:endParaRPr lang="zh-CN" altLang="en-US" sz="1400" dirty="0">
-              <a:solidFill>
-                <a:schemeClr val="tx1"/>
-              </a:solidFill>
-              <a:latin typeface="方正姚体" panose="02010601030101010101" pitchFamily="2" charset="-122"/>
-              <a:ea typeface="方正姚体" panose="02010601030101010101" pitchFamily="2" charset="-122"/>
-            </a:endParaRPr>
-          </a:p>
-          <a:p>
-            <a:pPr latinLnBrk="1">
-              <a:lnSpc>
-                <a:spcPct val="150000"/>
-              </a:lnSpc>
-            </a:pPr>
-            <a:r>
-              <a:rPr lang="zh-CN" altLang="en-US" sz="1400" dirty="0">
-                <a:solidFill>
-                  <a:schemeClr val="tx1"/>
-                </a:solidFill>
-                <a:latin typeface="方正姚体" panose="02010601030101010101" pitchFamily="2" charset="-122"/>
-                <a:ea typeface="方正姚体" panose="02010601030101010101" pitchFamily="2" charset="-122"/>
-              </a:rPr>
-              <a:t>         </a:t>
-            </a:r>
-            <a:r>
-              <a:rPr lang="en-US" altLang="zh-CN" sz="1400" dirty="0">
-                <a:solidFill>
-                  <a:schemeClr val="tx1"/>
-                </a:solidFill>
-                <a:latin typeface="方正姚体" panose="02010601030101010101" pitchFamily="2" charset="-122"/>
-                <a:ea typeface="方正姚体" panose="02010601030101010101" pitchFamily="2" charset="-122"/>
-              </a:rPr>
-              <a:t>Mysql</a:t>
-            </a:r>
-            <a:r>
-              <a:rPr lang="zh-CN" altLang="en-US" sz="1400" dirty="0">
-                <a:solidFill>
-                  <a:schemeClr val="tx1"/>
-                </a:solidFill>
-                <a:latin typeface="方正姚体" panose="02010601030101010101" pitchFamily="2" charset="-122"/>
-                <a:ea typeface="方正姚体" panose="02010601030101010101" pitchFamily="2" charset="-122"/>
-              </a:rPr>
-              <a:t>高可用 </a:t>
-            </a:r>
-            <a:r>
-              <a:rPr lang="en-US" altLang="zh-CN" sz="1400" dirty="0">
-                <a:solidFill>
-                  <a:schemeClr val="tx1"/>
-                </a:solidFill>
-                <a:latin typeface="方正姚体" panose="02010601030101010101" pitchFamily="2" charset="-122"/>
-                <a:ea typeface="方正姚体" panose="02010601030101010101" pitchFamily="2" charset="-122"/>
-              </a:rPr>
-              <a:t>+ Web</a:t>
-            </a:r>
-            <a:r>
-              <a:rPr lang="zh-CN" altLang="en-US" sz="1400" dirty="0">
-                <a:solidFill>
-                  <a:schemeClr val="tx1"/>
-                </a:solidFill>
-                <a:latin typeface="方正姚体" panose="02010601030101010101" pitchFamily="2" charset="-122"/>
-                <a:ea typeface="方正姚体" panose="02010601030101010101" pitchFamily="2" charset="-122"/>
-              </a:rPr>
-              <a:t>高可用个</a:t>
-            </a:r>
-            <a:endParaRPr lang="en-US" altLang="zh-CN" sz="1400" dirty="0" smtClean="0">
-              <a:solidFill>
-                <a:schemeClr val="tx1"/>
-              </a:solidFill>
-              <a:latin typeface="方正姚体" panose="02010601030101010101" pitchFamily="2" charset="-122"/>
-              <a:ea typeface="方正姚体" panose="02010601030101010101" pitchFamily="2" charset="-122"/>
-            </a:endParaRPr>
-          </a:p>
-          <a:p>
-            <a:pPr latinLnBrk="1">
-              <a:lnSpc>
-                <a:spcPct val="150000"/>
-              </a:lnSpc>
-            </a:pPr>
-            <a:endParaRPr lang="en-US" altLang="zh-CN" sz="1400" dirty="0" smtClean="0">
-              <a:solidFill>
-                <a:schemeClr val="tx1"/>
-              </a:solidFill>
-              <a:latin typeface="方正姚体" panose="02010601030101010101" pitchFamily="2" charset="-122"/>
-              <a:ea typeface="方正姚体" panose="02010601030101010101" pitchFamily="2" charset="-122"/>
-            </a:endParaRPr>
-          </a:p>
-          <a:p>
-            <a:pPr latinLnBrk="1">
-              <a:lnSpc>
-                <a:spcPct val="150000"/>
-              </a:lnSpc>
-            </a:pPr>
-            <a:r>
-              <a:rPr lang="zh-CN" altLang="en-US" sz="1400" b="1" dirty="0" smtClean="0">
-                <a:solidFill>
-                  <a:schemeClr val="tx1"/>
-                </a:solidFill>
-                <a:latin typeface="方正姚体" panose="02010601030101010101" pitchFamily="2" charset="-122"/>
-                <a:ea typeface="方正姚体" panose="02010601030101010101" pitchFamily="2" charset="-122"/>
-              </a:rPr>
-              <a:t>（二）项目</a:t>
-            </a:r>
-            <a:r>
-              <a:rPr lang="zh-CN" altLang="en-US" sz="1400" b="1" dirty="0">
-                <a:solidFill>
-                  <a:schemeClr val="tx1"/>
-                </a:solidFill>
-                <a:latin typeface="方正姚体" panose="02010601030101010101" pitchFamily="2" charset="-122"/>
-                <a:ea typeface="方正姚体" panose="02010601030101010101" pitchFamily="2" charset="-122"/>
-              </a:rPr>
-              <a:t>名称</a:t>
-            </a:r>
-            <a:r>
-              <a:rPr lang="zh-CN" altLang="en-US" sz="1400" dirty="0">
-                <a:solidFill>
-                  <a:schemeClr val="tx1"/>
-                </a:solidFill>
-                <a:latin typeface="方正姚体" panose="02010601030101010101" pitchFamily="2" charset="-122"/>
-                <a:ea typeface="方正姚体" panose="02010601030101010101" pitchFamily="2" charset="-122"/>
-              </a:rPr>
-              <a:t>：营运部自动化分捡系统搭建</a:t>
-            </a:r>
-            <a:endParaRPr lang="zh-CN" altLang="en-US" sz="1400" dirty="0">
-              <a:solidFill>
-                <a:schemeClr val="tx1"/>
-              </a:solidFill>
-              <a:latin typeface="方正姚体" panose="02010601030101010101" pitchFamily="2" charset="-122"/>
-              <a:ea typeface="方正姚体" panose="02010601030101010101" pitchFamily="2" charset="-122"/>
-            </a:endParaRPr>
-          </a:p>
-          <a:p>
-            <a:pPr latinLnBrk="1">
-              <a:lnSpc>
-                <a:spcPct val="150000"/>
-              </a:lnSpc>
-            </a:pPr>
-            <a:r>
-              <a:rPr lang="zh-CN" altLang="en-US" sz="1400" b="1" dirty="0" smtClean="0">
-                <a:solidFill>
-                  <a:schemeClr val="tx1"/>
-                </a:solidFill>
-                <a:latin typeface="方正姚体" panose="02010601030101010101" pitchFamily="2" charset="-122"/>
-                <a:ea typeface="方正姚体" panose="02010601030101010101" pitchFamily="2" charset="-122"/>
-              </a:rPr>
-              <a:t>责任</a:t>
-            </a:r>
-            <a:r>
-              <a:rPr lang="zh-CN" altLang="en-US" sz="1400" b="1" dirty="0">
-                <a:solidFill>
-                  <a:schemeClr val="tx1"/>
-                </a:solidFill>
-                <a:latin typeface="方正姚体" panose="02010601030101010101" pitchFamily="2" charset="-122"/>
-                <a:ea typeface="方正姚体" panose="02010601030101010101" pitchFamily="2" charset="-122"/>
-              </a:rPr>
-              <a:t>描述</a:t>
-            </a:r>
-            <a:r>
-              <a:rPr lang="zh-CN" altLang="en-US" sz="1400" dirty="0">
-                <a:solidFill>
-                  <a:schemeClr val="tx1"/>
-                </a:solidFill>
-                <a:latin typeface="方正姚体" panose="02010601030101010101" pitchFamily="2" charset="-122"/>
-                <a:ea typeface="方正姚体" panose="02010601030101010101" pitchFamily="2" charset="-122"/>
-              </a:rPr>
-              <a:t>：后端中专场服务部署</a:t>
-            </a:r>
-            <a:endParaRPr lang="zh-CN" altLang="en-US" sz="1400" dirty="0">
-              <a:solidFill>
-                <a:schemeClr val="tx1"/>
-              </a:solidFill>
-              <a:latin typeface="方正姚体" panose="02010601030101010101" pitchFamily="2" charset="-122"/>
-              <a:ea typeface="方正姚体" panose="02010601030101010101" pitchFamily="2" charset="-122"/>
-            </a:endParaRPr>
-          </a:p>
-          <a:p>
-            <a:pPr latinLnBrk="1">
-              <a:lnSpc>
-                <a:spcPct val="150000"/>
-              </a:lnSpc>
-            </a:pPr>
-            <a:r>
-              <a:rPr lang="zh-CN" altLang="en-US" sz="1400" b="1" dirty="0" smtClean="0">
-                <a:solidFill>
-                  <a:schemeClr val="tx1"/>
-                </a:solidFill>
-                <a:latin typeface="方正姚体" panose="02010601030101010101" pitchFamily="2" charset="-122"/>
-                <a:ea typeface="方正姚体" panose="02010601030101010101" pitchFamily="2" charset="-122"/>
-              </a:rPr>
-              <a:t>项目</a:t>
-            </a:r>
-            <a:r>
-              <a:rPr lang="zh-CN" altLang="en-US" sz="1400" b="1" dirty="0">
-                <a:solidFill>
-                  <a:schemeClr val="tx1"/>
-                </a:solidFill>
-                <a:latin typeface="方正姚体" panose="02010601030101010101" pitchFamily="2" charset="-122"/>
-                <a:ea typeface="方正姚体" panose="02010601030101010101" pitchFamily="2" charset="-122"/>
-              </a:rPr>
-              <a:t>简介</a:t>
-            </a:r>
-            <a:r>
-              <a:rPr lang="zh-CN" altLang="en-US" sz="1400" dirty="0">
-                <a:solidFill>
-                  <a:schemeClr val="tx1"/>
-                </a:solidFill>
-                <a:latin typeface="方正姚体" panose="02010601030101010101" pitchFamily="2" charset="-122"/>
-                <a:ea typeface="方正姚体" panose="02010601030101010101" pitchFamily="2" charset="-122"/>
-              </a:rPr>
-              <a:t>：</a:t>
-            </a:r>
-            <a:endParaRPr lang="zh-CN" altLang="en-US" sz="1400" dirty="0">
-              <a:solidFill>
-                <a:schemeClr val="tx1"/>
-              </a:solidFill>
-              <a:latin typeface="方正姚体" panose="02010601030101010101" pitchFamily="2" charset="-122"/>
-              <a:ea typeface="方正姚体" panose="02010601030101010101" pitchFamily="2" charset="-122"/>
-            </a:endParaRPr>
-          </a:p>
-          <a:p>
-            <a:pPr latinLnBrk="1">
-              <a:lnSpc>
-                <a:spcPct val="150000"/>
-              </a:lnSpc>
-            </a:pPr>
-            <a:r>
-              <a:rPr lang="zh-CN" altLang="en-US" sz="1400" dirty="0">
-                <a:solidFill>
-                  <a:schemeClr val="tx1"/>
-                </a:solidFill>
-                <a:latin typeface="方正姚体" panose="02010601030101010101" pitchFamily="2" charset="-122"/>
-                <a:ea typeface="方正姚体" panose="02010601030101010101" pitchFamily="2" charset="-122"/>
-              </a:rPr>
-              <a:t>         由于快递业务的增长、业务需求量较大，为</a:t>
-            </a:r>
-            <a:r>
-              <a:rPr lang="zh-CN" altLang="en-US" sz="1400" dirty="0" smtClean="0">
-                <a:solidFill>
-                  <a:schemeClr val="tx1"/>
-                </a:solidFill>
-                <a:latin typeface="方正姚体" panose="02010601030101010101" pitchFamily="2" charset="-122"/>
-                <a:ea typeface="方正姚体" panose="02010601030101010101" pitchFamily="2" charset="-122"/>
-              </a:rPr>
-              <a:t>减轻</a:t>
-            </a:r>
-            <a:r>
-              <a:rPr lang="zh-CN" altLang="en-US" sz="1400" dirty="0">
-                <a:solidFill>
-                  <a:schemeClr val="tx1"/>
-                </a:solidFill>
-                <a:latin typeface="方正姚体" panose="02010601030101010101" pitchFamily="2" charset="-122"/>
-                <a:ea typeface="方正姚体" panose="02010601030101010101" pitchFamily="2" charset="-122"/>
-              </a:rPr>
-              <a:t>分拣</a:t>
-            </a:r>
-            <a:r>
-              <a:rPr lang="zh-CN" altLang="en-US" sz="1400" dirty="0" smtClean="0">
-                <a:solidFill>
-                  <a:schemeClr val="tx1"/>
-                </a:solidFill>
-                <a:latin typeface="方正姚体" panose="02010601030101010101" pitchFamily="2" charset="-122"/>
-                <a:ea typeface="方正姚体" panose="02010601030101010101" pitchFamily="2" charset="-122"/>
-              </a:rPr>
-              <a:t>员</a:t>
-            </a:r>
-            <a:r>
-              <a:rPr lang="zh-CN" altLang="en-US" sz="1400" dirty="0">
-                <a:solidFill>
-                  <a:schemeClr val="tx1"/>
-                </a:solidFill>
-                <a:latin typeface="方正姚体" panose="02010601030101010101" pitchFamily="2" charset="-122"/>
-                <a:ea typeface="方正姚体" panose="02010601030101010101" pitchFamily="2" charset="-122"/>
-              </a:rPr>
-              <a:t>负担、</a:t>
-            </a:r>
-            <a:r>
-              <a:rPr lang="zh-CN" altLang="en-US" sz="1400" dirty="0" smtClean="0">
-                <a:solidFill>
-                  <a:schemeClr val="tx1"/>
-                </a:solidFill>
-                <a:latin typeface="方正姚体" panose="02010601030101010101" pitchFamily="2" charset="-122"/>
-                <a:ea typeface="方正姚体" panose="02010601030101010101" pitchFamily="2" charset="-122"/>
-              </a:rPr>
-              <a:t>提高</a:t>
-            </a:r>
-            <a:r>
-              <a:rPr lang="zh-CN" altLang="en-US" sz="1400" dirty="0">
-                <a:solidFill>
-                  <a:schemeClr val="tx1"/>
-                </a:solidFill>
-                <a:latin typeface="方正姚体" panose="02010601030101010101" pitchFamily="2" charset="-122"/>
-                <a:ea typeface="方正姚体" panose="02010601030101010101" pitchFamily="2" charset="-122"/>
-              </a:rPr>
-              <a:t>分拣</a:t>
-            </a:r>
-            <a:r>
-              <a:rPr lang="zh-CN" altLang="en-US" sz="1400" dirty="0" smtClean="0">
-                <a:solidFill>
-                  <a:schemeClr val="tx1"/>
-                </a:solidFill>
-                <a:latin typeface="方正姚体" panose="02010601030101010101" pitchFamily="2" charset="-122"/>
-                <a:ea typeface="方正姚体" panose="02010601030101010101" pitchFamily="2" charset="-122"/>
-              </a:rPr>
-              <a:t>效率、及分拣准确率，需</a:t>
-            </a:r>
-            <a:r>
-              <a:rPr lang="zh-CN" altLang="en-US" sz="1400" dirty="0">
-                <a:solidFill>
-                  <a:schemeClr val="tx1"/>
-                </a:solidFill>
-                <a:latin typeface="方正姚体" panose="02010601030101010101" pitchFamily="2" charset="-122"/>
-                <a:ea typeface="方正姚体" panose="02010601030101010101" pitchFamily="2" charset="-122"/>
-              </a:rPr>
-              <a:t>搭建自动化分捡系统。整个系统采用远程数据查询分是部署，服务段采用</a:t>
-            </a:r>
-            <a:r>
-              <a:rPr lang="en-US" altLang="zh-CN" sz="1400" dirty="0" err="1">
-                <a:solidFill>
-                  <a:schemeClr val="tx1"/>
-                </a:solidFill>
-                <a:latin typeface="方正姚体" panose="02010601030101010101" pitchFamily="2" charset="-122"/>
-                <a:ea typeface="方正姚体" panose="02010601030101010101" pitchFamily="2" charset="-122"/>
-              </a:rPr>
-              <a:t>mysql</a:t>
-            </a:r>
-            <a:r>
-              <a:rPr lang="zh-CN" altLang="en-US" sz="1400" dirty="0">
-                <a:solidFill>
-                  <a:schemeClr val="tx1"/>
-                </a:solidFill>
-                <a:latin typeface="方正姚体" panose="02010601030101010101" pitchFamily="2" charset="-122"/>
-                <a:ea typeface="方正姚体" panose="02010601030101010101" pitchFamily="2" charset="-122"/>
-              </a:rPr>
-              <a:t>多数据库主从集群，客户端采用多台信息查询系统，以及</a:t>
-            </a:r>
-            <a:r>
-              <a:rPr lang="en-US" altLang="zh-CN" sz="1400" dirty="0">
-                <a:solidFill>
-                  <a:schemeClr val="tx1"/>
-                </a:solidFill>
-                <a:latin typeface="方正姚体" panose="02010601030101010101" pitchFamily="2" charset="-122"/>
-                <a:ea typeface="方正姚体" panose="02010601030101010101" pitchFamily="2" charset="-122"/>
-              </a:rPr>
-              <a:t>1</a:t>
-            </a:r>
-            <a:r>
-              <a:rPr lang="zh-CN" altLang="en-US" sz="1400" dirty="0">
-                <a:solidFill>
-                  <a:schemeClr val="tx1"/>
-                </a:solidFill>
-                <a:latin typeface="方正姚体" panose="02010601030101010101" pitchFamily="2" charset="-122"/>
-                <a:ea typeface="方正姚体" panose="02010601030101010101" pitchFamily="2" charset="-122"/>
-              </a:rPr>
-              <a:t>台调度服务器，信息查询系统通过获取快件信息，在通过查询地址库（数据库）获取对应地址的地区代码，从而达成自动化分捡的目的。</a:t>
-            </a:r>
-            <a:endParaRPr lang="zh-CN" altLang="en-US" sz="1400" dirty="0">
-              <a:solidFill>
-                <a:schemeClr val="tx1"/>
-              </a:solidFill>
-              <a:latin typeface="方正姚体" panose="02010601030101010101" pitchFamily="2" charset="-122"/>
-              <a:ea typeface="方正姚体" panose="02010601030101010101" pitchFamily="2" charset="-122"/>
-            </a:endParaRPr>
-          </a:p>
-          <a:p>
-            <a:pPr latinLnBrk="1">
-              <a:lnSpc>
-                <a:spcPct val="150000"/>
-              </a:lnSpc>
-            </a:pPr>
-            <a:endParaRPr lang="en-US" altLang="zh-CN" sz="1400" dirty="0">
-              <a:solidFill>
-                <a:schemeClr val="tx1"/>
-              </a:solidFill>
-              <a:latin typeface="方正姚体" panose="02010601030101010101" pitchFamily="2" charset="-122"/>
-              <a:ea typeface="方正姚体" panose="02010601030101010101" pitchFamily="2" charset="-122"/>
-            </a:endParaRPr>
-          </a:p>
-        </p:txBody>
-      </p:sp>
-      <p:sp>
-        <p:nvSpPr>
-          <p:cNvPr id="30" name="矩形 29"/>
-          <p:cNvSpPr/>
-          <p:nvPr/>
-        </p:nvSpPr>
-        <p:spPr>
-          <a:xfrm>
-            <a:off x="180082" y="3564483"/>
-            <a:ext cx="1155725" cy="514070"/>
-          </a:xfrm>
-          <a:prstGeom prst="rect">
-            <a:avLst/>
-          </a:prstGeom>
-          <a:noFill/>
-          <a:ln>
-            <a:noFill/>
-          </a:ln>
-        </p:spPr>
-        <p:style>
-          <a:lnRef idx="2">
-            <a:schemeClr val="accent1">
-              <a:shade val="50000"/>
-            </a:schemeClr>
-          </a:lnRef>
-          <a:fillRef idx="1">
-            <a:schemeClr val="accent1"/>
-          </a:fillRef>
-          <a:effectRef idx="0">
-            <a:schemeClr val="accent1"/>
+          <a:effectRef idx="3">
+            <a:schemeClr val="dk1"/>
           </a:effectRef>
           <a:fontRef idx="minor">
             <a:schemeClr val="lt1"/>
@@ -8660,26 +9038,9 @@
         </p:style>
         <p:txBody>
           <a:bodyPr rtlCol="0" anchor="ctr"/>
-          <a:lstStyle/>
           <a:p>
             <a:pPr algn="ctr"/>
-            <a:r>
-              <a:rPr lang="zh-CN" altLang="en-US" b="1" dirty="0" smtClean="0">
-                <a:solidFill>
-                  <a:schemeClr val="tx1"/>
-                </a:solidFill>
-                <a:latin typeface="方正姚体" panose="02010601030101010101" pitchFamily="2" charset="-122"/>
-                <a:ea typeface="方正姚体" panose="02010601030101010101" pitchFamily="2" charset="-122"/>
-              </a:rPr>
-              <a:t>项目经验</a:t>
-            </a:r>
-            <a:endParaRPr lang="zh-CN" altLang="en-US" b="1" dirty="0">
-              <a:solidFill>
-                <a:schemeClr val="tx1"/>
-              </a:solidFill>
-              <a:latin typeface="方正姚体" panose="02010601030101010101" pitchFamily="2" charset="-122"/>
-              <a:ea typeface="方正姚体" panose="02010601030101010101" pitchFamily="2" charset="-122"/>
-            </a:endParaRPr>
+            <a:endParaRPr lang="zh-CN" altLang="en-US"/>
           </a:p>
         </p:txBody>
       </p:sp>

--- a/简历/柴雪新的个人简历-0630.pptx
+++ b/简历/柴雪新的个人简历-0630.pptx
@@ -3478,7 +3478,7 @@
         <a:spcBef>
           <a:spcPct val="20000"/>
         </a:spcBef>
-        <a:buFont typeface="Arial" panose="02080604020202020204" pitchFamily="34" charset="0"/>
+        <a:buFont typeface="Arial" panose="020B0604020202020204" pitchFamily="34" charset="0"/>
         <a:buChar char="•"/>
         <a:defRPr sz="3200" kern="1200">
           <a:solidFill>
@@ -3493,7 +3493,7 @@
         <a:spcBef>
           <a:spcPct val="20000"/>
         </a:spcBef>
-        <a:buFont typeface="Arial" panose="02080604020202020204" pitchFamily="34" charset="0"/>
+        <a:buFont typeface="Arial" panose="020B0604020202020204" pitchFamily="34" charset="0"/>
         <a:buChar char="–"/>
         <a:defRPr sz="2800" kern="1200">
           <a:solidFill>
@@ -3508,7 +3508,7 @@
         <a:spcBef>
           <a:spcPct val="20000"/>
         </a:spcBef>
-        <a:buFont typeface="Arial" panose="02080604020202020204" pitchFamily="34" charset="0"/>
+        <a:buFont typeface="Arial" panose="020B0604020202020204" pitchFamily="34" charset="0"/>
         <a:buChar char="•"/>
         <a:defRPr sz="2400" kern="1200">
           <a:solidFill>
@@ -3523,7 +3523,7 @@
         <a:spcBef>
           <a:spcPct val="20000"/>
         </a:spcBef>
-        <a:buFont typeface="Arial" panose="02080604020202020204" pitchFamily="34" charset="0"/>
+        <a:buFont typeface="Arial" panose="020B0604020202020204" pitchFamily="34" charset="0"/>
         <a:buChar char="–"/>
         <a:defRPr sz="2000" kern="1200">
           <a:solidFill>
@@ -3538,7 +3538,7 @@
         <a:spcBef>
           <a:spcPct val="20000"/>
         </a:spcBef>
-        <a:buFont typeface="Arial" panose="02080604020202020204" pitchFamily="34" charset="0"/>
+        <a:buFont typeface="Arial" panose="020B0604020202020204" pitchFamily="34" charset="0"/>
         <a:buChar char="»"/>
         <a:defRPr sz="2000" kern="1200">
           <a:solidFill>
@@ -3553,7 +3553,7 @@
         <a:spcBef>
           <a:spcPct val="20000"/>
         </a:spcBef>
-        <a:buFont typeface="Arial" panose="02080604020202020204" pitchFamily="34" charset="0"/>
+        <a:buFont typeface="Arial" panose="020B0604020202020204" pitchFamily="34" charset="0"/>
         <a:buChar char="•"/>
         <a:defRPr sz="2000" kern="1200">
           <a:solidFill>
@@ -3568,7 +3568,7 @@
         <a:spcBef>
           <a:spcPct val="20000"/>
         </a:spcBef>
-        <a:buFont typeface="Arial" panose="02080604020202020204" pitchFamily="34" charset="0"/>
+        <a:buFont typeface="Arial" panose="020B0604020202020204" pitchFamily="34" charset="0"/>
         <a:buChar char="•"/>
         <a:defRPr sz="2000" kern="1200">
           <a:solidFill>
@@ -3583,7 +3583,7 @@
         <a:spcBef>
           <a:spcPct val="20000"/>
         </a:spcBef>
-        <a:buFont typeface="Arial" panose="02080604020202020204" pitchFamily="34" charset="0"/>
+        <a:buFont typeface="Arial" panose="020B0604020202020204" pitchFamily="34" charset="0"/>
         <a:buChar char="•"/>
         <a:defRPr sz="2000" kern="1200">
           <a:solidFill>
@@ -3598,7 +3598,7 @@
         <a:spcBef>
           <a:spcPct val="20000"/>
         </a:spcBef>
-        <a:buFont typeface="Arial" panose="02080604020202020204" pitchFamily="34" charset="0"/>
+        <a:buFont typeface="Arial" panose="020B0604020202020204" pitchFamily="34" charset="0"/>
         <a:buChar char="•"/>
         <a:defRPr sz="2000" kern="1200">
           <a:solidFill>
@@ -5567,8 +5567,9 @@
                 </a:solidFill>
                 <a:latin typeface="方正姚体" panose="02010601030101010101" pitchFamily="2" charset="-122"/>
                 <a:ea typeface="方正姚体" panose="02010601030101010101" pitchFamily="2" charset="-122"/>
-              </a:rPr>
-              <a:t>熟悉Mysql数据库主从复制及部署、备份与恢复，集群搭建；</a:t>
+                <a:sym typeface="+mn-ea"/>
+              </a:rPr>
+              <a:t>熟悉LVS、Nginx负载均衡服务器的原理、部署及优化，Keepalived高可用；</a:t>
             </a:r>
             <a:endParaRPr sz="1400">
               <a:solidFill>
@@ -5602,7 +5603,7 @@
                 <a:latin typeface="方正姚体" panose="02010601030101010101" pitchFamily="2" charset="-122"/>
                 <a:ea typeface="方正姚体" panose="02010601030101010101" pitchFamily="2" charset="-122"/>
               </a:rPr>
-              <a:t>、</a:t>
+              <a:t>、了解</a:t>
             </a:r>
             <a:r>
               <a:rPr sz="1400">
@@ -5611,8 +5612,9 @@
                 </a:solidFill>
                 <a:latin typeface="方正姚体" panose="02010601030101010101" pitchFamily="2" charset="-122"/>
                 <a:ea typeface="方正姚体" panose="02010601030101010101" pitchFamily="2" charset="-122"/>
-              </a:rPr>
-              <a:t>熟悉LVS、Nginx负载均衡服务器的原理、部署及优化，Keepalived高可用；</a:t>
+                <a:sym typeface="+mn-ea"/>
+              </a:rPr>
+              <a:t>Mysql数据库主从复制及部署、备份与恢复，集群搭建；</a:t>
             </a:r>
             <a:endParaRPr sz="1400">
               <a:solidFill>
@@ -5810,7 +5812,7 @@
                 <a:latin typeface="方正姚体" panose="02010601030101010101" pitchFamily="2" charset="-122"/>
                 <a:ea typeface="方正姚体" panose="02010601030101010101" pitchFamily="2" charset="-122"/>
               </a:rPr>
-              <a:t>工作单位：陕西博龙文化有限公司       工作岗位：</a:t>
+              <a:t>工作单位：陕西博龙文化有限公司       工作岗位： </a:t>
             </a:r>
             <a:r>
               <a:rPr lang="zh-CN" sz="1400" b="1" dirty="0">
@@ -6031,7 +6033,7 @@
                 <a:latin typeface="方正姚体" panose="02010601030101010101" pitchFamily="2" charset="-122"/>
                 <a:ea typeface="方正姚体" panose="02010601030101010101" pitchFamily="2" charset="-122"/>
               </a:rPr>
-              <a:t>软件服务器维护</a:t>
+              <a:t>软件服务器维护，清理、备份数据</a:t>
             </a:r>
             <a:r>
               <a:rPr lang="en-US" altLang="zh-CN" sz="1400" dirty="0" smtClean="0">
@@ -7024,7 +7026,17 @@
                 <a:latin typeface="方正姚体" panose="02010601030101010101" pitchFamily="2" charset="-122"/>
                 <a:ea typeface="方正姚体" panose="02010601030101010101" pitchFamily="2" charset="-122"/>
               </a:rPr>
-              <a:t>太服务器实现高可用、负载均衡的</a:t>
+              <a:t>台</a:t>
+            </a:r>
+            <a:r>
+              <a:rPr lang="zh-CN" altLang="en-US" sz="1400" dirty="0">
+                <a:solidFill>
+                  <a:schemeClr val="tx1"/>
+                </a:solidFill>
+                <a:latin typeface="方正姚体" panose="02010601030101010101" pitchFamily="2" charset="-122"/>
+                <a:ea typeface="方正姚体" panose="02010601030101010101" pitchFamily="2" charset="-122"/>
+              </a:rPr>
+              <a:t>服务器实现高可用、负载均衡的</a:t>
             </a:r>
             <a:r>
               <a:rPr lang="en-US" altLang="zh-CN" sz="1400" dirty="0">
@@ -8502,8 +8514,8 @@
         </p:nvSpPr>
         <p:spPr>
           <a:xfrm>
-            <a:off x="1944280" y="1716310"/>
-            <a:ext cx="6675814" cy="3024334"/>
+            <a:off x="1944370" y="1716405"/>
+            <a:ext cx="6675755" cy="2722880"/>
           </a:xfrm>
           <a:prstGeom prst="rect">
             <a:avLst/>
@@ -8676,7 +8688,7 @@
                 <a:latin typeface="方正姚体" panose="02010601030101010101" pitchFamily="2" charset="-122"/>
                 <a:ea typeface="方正姚体" panose="02010601030101010101" pitchFamily="2" charset="-122"/>
               </a:rPr>
-              <a:t>、负责</a:t>
+              <a:t>、全自动化分拣系统搭建，基础设施维护</a:t>
             </a:r>
             <a:r>
               <a:rPr lang="zh-CN" altLang="en-US" sz="1400" dirty="0">
@@ -8686,17 +8698,29 @@
                 <a:latin typeface="方正姚体" panose="02010601030101010101" pitchFamily="2" charset="-122"/>
                 <a:ea typeface="方正姚体" panose="02010601030101010101" pitchFamily="2" charset="-122"/>
               </a:rPr>
-              <a:t>办公</a:t>
-            </a:r>
-            <a:r>
-              <a:rPr lang="zh-CN" altLang="en-US" sz="1400" dirty="0" smtClean="0">
-                <a:solidFill>
-                  <a:schemeClr val="tx1"/>
-                </a:solidFill>
-                <a:latin typeface="方正姚体" panose="02010601030101010101" pitchFamily="2" charset="-122"/>
-                <a:ea typeface="方正姚体" panose="02010601030101010101" pitchFamily="2" charset="-122"/>
-              </a:rPr>
-              <a:t>系统与软件</a:t>
+              <a:t>；</a:t>
+            </a:r>
+            <a:r>
+              <a:rPr lang="zh-CN" altLang="en-US" sz="1400">
+                <a:solidFill>
+                  <a:schemeClr val="tx1"/>
+                </a:solidFill>
+                <a:latin typeface="方正姚体" panose="02010601030101010101" pitchFamily="2" charset="-122"/>
+                <a:ea typeface="方正姚体" panose="02010601030101010101" pitchFamily="2" charset="-122"/>
+                <a:sym typeface="+mn-ea"/>
+              </a:rPr>
+              <a:t>大</a:t>
+            </a:r>
+            <a:r>
+              <a:rPr lang="zh-CN" altLang="en-US" sz="1400" smtClean="0">
+                <a:solidFill>
+                  <a:schemeClr val="tx1"/>
+                </a:solidFill>
+                <a:latin typeface="方正姚体" panose="02010601030101010101" pitchFamily="2" charset="-122"/>
+                <a:ea typeface="方正姚体" panose="02010601030101010101" pitchFamily="2" charset="-122"/>
+                <a:sym typeface="+mn-ea"/>
+              </a:rPr>
+              <a:t>客户系统</a:t>
             </a:r>
             <a:r>
               <a:rPr lang="zh-CN" altLang="en-US" sz="1400" dirty="0">
@@ -8705,8 +8729,9 @@
                 </a:solidFill>
                 <a:latin typeface="方正姚体" panose="02010601030101010101" pitchFamily="2" charset="-122"/>
                 <a:ea typeface="方正姚体" panose="02010601030101010101" pitchFamily="2" charset="-122"/>
-              </a:rPr>
-              <a:t>系统的配置、安装管理与维护工作；</a:t>
+                <a:sym typeface="+mn-ea"/>
+              </a:rPr>
+              <a:t>搭建、故障维修；</a:t>
             </a:r>
             <a:endParaRPr lang="zh-CN" altLang="en-US" sz="1400" dirty="0">
               <a:solidFill>
@@ -8740,7 +8765,7 @@
                 <a:latin typeface="方正姚体" panose="02010601030101010101" pitchFamily="2" charset="-122"/>
                 <a:ea typeface="方正姚体" panose="02010601030101010101" pitchFamily="2" charset="-122"/>
               </a:rPr>
-              <a:t>、半自动化</a:t>
+              <a:t>、日常业务系统运维，处理内部用户异常保障、服务请求等为业务运营提技术支持</a:t>
             </a:r>
             <a:r>
               <a:rPr lang="zh-CN" altLang="en-US" sz="1400" dirty="0">
@@ -8750,37 +8775,7 @@
                 <a:latin typeface="方正姚体" panose="02010601030101010101" pitchFamily="2" charset="-122"/>
                 <a:ea typeface="方正姚体" panose="02010601030101010101" pitchFamily="2" charset="-122"/>
               </a:rPr>
-              <a:t>分拣、</a:t>
-            </a:r>
-            <a:r>
-              <a:rPr lang="zh-CN" altLang="en-US" sz="1400">
-                <a:solidFill>
-                  <a:schemeClr val="tx1"/>
-                </a:solidFill>
-                <a:latin typeface="方正姚体" panose="02010601030101010101" pitchFamily="2" charset="-122"/>
-                <a:ea typeface="方正姚体" panose="02010601030101010101" pitchFamily="2" charset="-122"/>
-              </a:rPr>
-              <a:t>大</a:t>
-            </a:r>
-            <a:r>
-              <a:rPr lang="zh-CN" altLang="en-US" sz="1400" smtClean="0">
-                <a:solidFill>
-                  <a:schemeClr val="tx1"/>
-                </a:solidFill>
-                <a:latin typeface="方正姚体" panose="02010601030101010101" pitchFamily="2" charset="-122"/>
-                <a:ea typeface="方正姚体" panose="02010601030101010101" pitchFamily="2" charset="-122"/>
-              </a:rPr>
-              <a:t>客户系统</a:t>
-            </a:r>
-            <a:r>
-              <a:rPr lang="zh-CN" altLang="en-US" sz="1400" dirty="0">
-                <a:solidFill>
-                  <a:schemeClr val="tx1"/>
-                </a:solidFill>
-                <a:latin typeface="方正姚体" panose="02010601030101010101" pitchFamily="2" charset="-122"/>
-                <a:ea typeface="方正姚体" panose="02010601030101010101" pitchFamily="2" charset="-122"/>
-              </a:rPr>
-              <a:t>搭建、系统与硬件故障维修；</a:t>
+              <a:t>；</a:t>
             </a:r>
             <a:endParaRPr lang="zh-CN" altLang="en-US" sz="1400" dirty="0">
               <a:solidFill>
@@ -8814,17 +8809,7 @@
                 <a:latin typeface="方正姚体" panose="02010601030101010101" pitchFamily="2" charset="-122"/>
                 <a:ea typeface="方正姚体" panose="02010601030101010101" pitchFamily="2" charset="-122"/>
               </a:rPr>
-              <a:t>、</a:t>
-            </a:r>
-            <a:r>
-              <a:rPr lang="en-US" altLang="zh-CN" sz="1400" dirty="0" smtClean="0">
-                <a:solidFill>
-                  <a:schemeClr val="tx1"/>
-                </a:solidFill>
-                <a:latin typeface="方正姚体" panose="02010601030101010101" pitchFamily="2" charset="-122"/>
-                <a:ea typeface="方正姚体" panose="02010601030101010101" pitchFamily="2" charset="-122"/>
-              </a:rPr>
-              <a:t>Web</a:t>
+              <a:t>、生产异常处理及系统突发故障；跟进推送问题处理状态及问题排除</a:t>
             </a:r>
             <a:r>
               <a:rPr lang="zh-CN" altLang="en-US" sz="1400" dirty="0">
@@ -8834,27 +8819,7 @@
                 <a:latin typeface="方正姚体" panose="02010601030101010101" pitchFamily="2" charset="-122"/>
                 <a:ea typeface="方正姚体" panose="02010601030101010101" pitchFamily="2" charset="-122"/>
               </a:rPr>
-              <a:t>网站更新、</a:t>
-            </a:r>
-            <a:r>
-              <a:rPr lang="en-US" altLang="zh-CN" sz="1400" dirty="0">
-                <a:solidFill>
-                  <a:schemeClr val="tx1"/>
-                </a:solidFill>
-                <a:latin typeface="方正姚体" panose="02010601030101010101" pitchFamily="2" charset="-122"/>
-                <a:ea typeface="方正姚体" panose="02010601030101010101" pitchFamily="2" charset="-122"/>
-              </a:rPr>
-              <a:t>App</a:t>
-            </a:r>
-            <a:r>
-              <a:rPr lang="zh-CN" altLang="en-US" sz="1400" dirty="0">
-                <a:solidFill>
-                  <a:schemeClr val="tx1"/>
-                </a:solidFill>
-                <a:latin typeface="方正姚体" panose="02010601030101010101" pitchFamily="2" charset="-122"/>
-                <a:ea typeface="方正姚体" panose="02010601030101010101" pitchFamily="2" charset="-122"/>
-              </a:rPr>
-              <a:t>应用升级、分捡系统数据库维护更新；</a:t>
+              <a:t>；</a:t>
             </a:r>
             <a:endParaRPr lang="zh-CN" altLang="en-US" sz="1400" dirty="0">
               <a:solidFill>
@@ -8888,17 +8853,7 @@
                 <a:latin typeface="方正姚体" panose="02010601030101010101" pitchFamily="2" charset="-122"/>
                 <a:ea typeface="方正姚体" panose="02010601030101010101" pitchFamily="2" charset="-122"/>
               </a:rPr>
-              <a:t>、用</a:t>
-            </a:r>
-            <a:r>
-              <a:rPr lang="en-US" altLang="zh-CN" sz="1400" dirty="0" err="1">
-                <a:solidFill>
-                  <a:schemeClr val="tx1"/>
-                </a:solidFill>
-                <a:latin typeface="方正姚体" panose="02010601030101010101" pitchFamily="2" charset="-122"/>
-                <a:ea typeface="方正姚体" panose="02010601030101010101" pitchFamily="2" charset="-122"/>
-              </a:rPr>
-              <a:t>zabbix</a:t>
+              <a:t>、业务</a:t>
             </a:r>
             <a:r>
               <a:rPr lang="zh-CN" altLang="en-US" sz="1400" dirty="0">
@@ -8908,7 +8863,7 @@
                 <a:latin typeface="方正姚体" panose="02010601030101010101" pitchFamily="2" charset="-122"/>
                 <a:ea typeface="方正姚体" panose="02010601030101010101" pitchFamily="2" charset="-122"/>
               </a:rPr>
-              <a:t>对硬件运行环境进行监控、并对数据进行分析，系统故障排</a:t>
+              <a:t>环境进行监控、数据分析，系统故障排</a:t>
             </a:r>
             <a:r>
               <a:rPr lang="zh-CN" altLang="en-US" sz="1400" dirty="0" smtClean="0">
